--- a/Meilenstein 3/Präsentation/Präsentation MS3_aufgehübscht.pptx
+++ b/Meilenstein 3/Präsentation/Präsentation MS3_aufgehübscht.pptx
@@ -3908,8 +3908,8 @@
         </p:blipFill>
         <p:spPr>
           <a:xfrm>
-            <a:off x="1751492" y="73129"/>
-            <a:ext cx="8689015" cy="6711742"/>
+            <a:off x="1855570" y="153522"/>
+            <a:ext cx="8480860" cy="6550955"/>
           </a:xfrm>
           <a:prstGeom prst="rect">
             <a:avLst/>
@@ -4074,6 +4074,78 @@
       </p:grpSpPr>
       <p:pic>
         <p:nvPicPr>
+          <p:cNvPr id="6" name="Grafik 5" descr="Ein Bild, das Karte, Text, Strichzeichnung enthält.&#10;&#10;Automatisch generierte Beschreibung">
+            <a:extLst>
+              <a:ext uri="{FF2B5EF4-FFF2-40B4-BE49-F238E27FC236}">
+                <a16:creationId xmlns:a16="http://schemas.microsoft.com/office/drawing/2014/main" id="{3A1DF391-5344-4B18-B8DF-A5821B54EDF3}"/>
+              </a:ext>
+            </a:extLst>
+          </p:cNvPr>
+          <p:cNvPicPr>
+            <a:picLocks/>
+          </p:cNvPicPr>
+          <p:nvPr/>
+        </p:nvPicPr>
+        <p:blipFill>
+          <a:blip r:embed="rId2">
+            <a:extLst>
+              <a:ext uri="{28A0092B-C50C-407E-A947-70E740481C1C}">
+                <a14:useLocalDpi xmlns:a14="http://schemas.microsoft.com/office/drawing/2010/main" val="0"/>
+              </a:ext>
+            </a:extLst>
+          </a:blip>
+          <a:stretch>
+            <a:fillRect/>
+          </a:stretch>
+        </p:blipFill>
+        <p:spPr>
+          <a:xfrm>
+            <a:off x="106325" y="3092650"/>
+            <a:ext cx="3600000" cy="2880000"/>
+          </a:xfrm>
+          <a:prstGeom prst="rect">
+            <a:avLst/>
+          </a:prstGeom>
+        </p:spPr>
+      </p:pic>
+      <p:pic>
+        <p:nvPicPr>
+          <p:cNvPr id="8" name="Grafik 7" descr="Ein Bild, das Karte, Strichzeichnung enthält.&#10;&#10;Automatisch generierte Beschreibung">
+            <a:extLst>
+              <a:ext uri="{FF2B5EF4-FFF2-40B4-BE49-F238E27FC236}">
+                <a16:creationId xmlns:a16="http://schemas.microsoft.com/office/drawing/2014/main" id="{40E36230-98E8-489C-9A3E-EC10CAF5C1A9}"/>
+              </a:ext>
+            </a:extLst>
+          </p:cNvPr>
+          <p:cNvPicPr>
+            <a:picLocks/>
+          </p:cNvPicPr>
+          <p:nvPr/>
+        </p:nvPicPr>
+        <p:blipFill>
+          <a:blip r:embed="rId3">
+            <a:extLst>
+              <a:ext uri="{28A0092B-C50C-407E-A947-70E740481C1C}">
+                <a14:useLocalDpi xmlns:a14="http://schemas.microsoft.com/office/drawing/2010/main" val="0"/>
+              </a:ext>
+            </a:extLst>
+          </a:blip>
+          <a:stretch>
+            <a:fillRect/>
+          </a:stretch>
+        </p:blipFill>
+        <p:spPr>
+          <a:xfrm>
+            <a:off x="106325" y="106325"/>
+            <a:ext cx="3600000" cy="2880000"/>
+          </a:xfrm>
+          <a:prstGeom prst="rect">
+            <a:avLst/>
+          </a:prstGeom>
+        </p:spPr>
+      </p:pic>
+      <p:pic>
+        <p:nvPicPr>
           <p:cNvPr id="3" name="Grafik 2">
             <a:extLst>
               <a:ext uri="{FF2B5EF4-FFF2-40B4-BE49-F238E27FC236}">
@@ -4087,12 +4159,12 @@
           <p:nvPr/>
         </p:nvPicPr>
         <p:blipFill>
-          <a:blip r:embed="rId2">
+          <a:blip r:embed="rId4">
             <a:alphaModFix amt="95000"/>
             <a:extLst>
               <a:ext uri="{BEBA8EAE-BF5A-486C-A8C5-ECC9F3942E4B}">
                 <a14:imgProps xmlns:a14="http://schemas.microsoft.com/office/drawing/2010/main">
-                  <a14:imgLayer r:embed="rId3">
+                  <a14:imgLayer r:embed="rId5">
                     <a14:imgEffect>
                       <a14:sharpenSoften amount="25000"/>
                     </a14:imgEffect>
@@ -4147,6 +4219,78 @@
       </p:grpSpPr>
       <p:pic>
         <p:nvPicPr>
+          <p:cNvPr id="4" name="Grafik 3" descr="Ein Bild, das Karte, Text, Strichzeichnung enthält.&#10;&#10;Automatisch generierte Beschreibung">
+            <a:extLst>
+              <a:ext uri="{FF2B5EF4-FFF2-40B4-BE49-F238E27FC236}">
+                <a16:creationId xmlns:a16="http://schemas.microsoft.com/office/drawing/2014/main" id="{330FE219-CF22-4F69-8613-A7F70B464926}"/>
+              </a:ext>
+            </a:extLst>
+          </p:cNvPr>
+          <p:cNvPicPr>
+            <a:picLocks/>
+          </p:cNvPicPr>
+          <p:nvPr/>
+        </p:nvPicPr>
+        <p:blipFill>
+          <a:blip r:embed="rId2">
+            <a:extLst>
+              <a:ext uri="{28A0092B-C50C-407E-A947-70E740481C1C}">
+                <a14:useLocalDpi xmlns:a14="http://schemas.microsoft.com/office/drawing/2010/main" val="0"/>
+              </a:ext>
+            </a:extLst>
+          </a:blip>
+          <a:stretch>
+            <a:fillRect/>
+          </a:stretch>
+        </p:blipFill>
+        <p:spPr>
+          <a:xfrm>
+            <a:off x="115230" y="85060"/>
+            <a:ext cx="3600000" cy="2880000"/>
+          </a:xfrm>
+          <a:prstGeom prst="rect">
+            <a:avLst/>
+          </a:prstGeom>
+        </p:spPr>
+      </p:pic>
+      <p:pic>
+        <p:nvPicPr>
+          <p:cNvPr id="6" name="Grafik 5">
+            <a:extLst>
+              <a:ext uri="{FF2B5EF4-FFF2-40B4-BE49-F238E27FC236}">
+                <a16:creationId xmlns:a16="http://schemas.microsoft.com/office/drawing/2014/main" id="{B62FF85F-1C87-4C25-AA8B-FF85654543D1}"/>
+              </a:ext>
+            </a:extLst>
+          </p:cNvPr>
+          <p:cNvPicPr>
+            <a:picLocks/>
+          </p:cNvPicPr>
+          <p:nvPr/>
+        </p:nvPicPr>
+        <p:blipFill>
+          <a:blip r:embed="rId3">
+            <a:extLst>
+              <a:ext uri="{28A0092B-C50C-407E-A947-70E740481C1C}">
+                <a14:useLocalDpi xmlns:a14="http://schemas.microsoft.com/office/drawing/2010/main" val="0"/>
+              </a:ext>
+            </a:extLst>
+          </a:blip>
+          <a:stretch>
+            <a:fillRect/>
+          </a:stretch>
+        </p:blipFill>
+        <p:spPr>
+          <a:xfrm>
+            <a:off x="115230" y="3097314"/>
+            <a:ext cx="3600000" cy="2880000"/>
+          </a:xfrm>
+          <a:prstGeom prst="rect">
+            <a:avLst/>
+          </a:prstGeom>
+        </p:spPr>
+      </p:pic>
+      <p:pic>
+        <p:nvPicPr>
           <p:cNvPr id="3" name="Grafik 2">
             <a:extLst>
               <a:ext uri="{FF2B5EF4-FFF2-40B4-BE49-F238E27FC236}">
@@ -4160,12 +4304,12 @@
           <p:nvPr/>
         </p:nvPicPr>
         <p:blipFill>
-          <a:blip r:embed="rId2">
+          <a:blip r:embed="rId4">
             <a:alphaModFix amt="95000"/>
             <a:extLst>
               <a:ext uri="{BEBA8EAE-BF5A-486C-A8C5-ECC9F3942E4B}">
                 <a14:imgProps xmlns:a14="http://schemas.microsoft.com/office/drawing/2010/main">
-                  <a14:imgLayer r:embed="rId3">
+                  <a14:imgLayer r:embed="rId5">
                     <a14:imgEffect>
                       <a14:sharpenSoften amount="25000"/>
                     </a14:imgEffect>
@@ -4220,6 +4364,78 @@
       </p:grpSpPr>
       <p:pic>
         <p:nvPicPr>
+          <p:cNvPr id="4" name="Grafik 3" descr="Ein Bild, das Karte, Strichzeichnung, Text enthält.&#10;&#10;Automatisch generierte Beschreibung">
+            <a:extLst>
+              <a:ext uri="{FF2B5EF4-FFF2-40B4-BE49-F238E27FC236}">
+                <a16:creationId xmlns:a16="http://schemas.microsoft.com/office/drawing/2014/main" id="{E648115D-7E87-4F1B-BAC1-A08C8FE8BB55}"/>
+              </a:ext>
+            </a:extLst>
+          </p:cNvPr>
+          <p:cNvPicPr>
+            <a:picLocks/>
+          </p:cNvPicPr>
+          <p:nvPr/>
+        </p:nvPicPr>
+        <p:blipFill>
+          <a:blip r:embed="rId2">
+            <a:extLst>
+              <a:ext uri="{28A0092B-C50C-407E-A947-70E740481C1C}">
+                <a14:useLocalDpi xmlns:a14="http://schemas.microsoft.com/office/drawing/2010/main" val="0"/>
+              </a:ext>
+            </a:extLst>
+          </a:blip>
+          <a:stretch>
+            <a:fillRect/>
+          </a:stretch>
+        </p:blipFill>
+        <p:spPr>
+          <a:xfrm>
+            <a:off x="180532" y="165469"/>
+            <a:ext cx="3600000" cy="2880000"/>
+          </a:xfrm>
+          <a:prstGeom prst="rect">
+            <a:avLst/>
+          </a:prstGeom>
+        </p:spPr>
+      </p:pic>
+      <p:pic>
+        <p:nvPicPr>
+          <p:cNvPr id="6" name="Grafik 5" descr="Ein Bild, das Karte, Text, Strichzeichnung enthält.&#10;&#10;Automatisch generierte Beschreibung">
+            <a:extLst>
+              <a:ext uri="{FF2B5EF4-FFF2-40B4-BE49-F238E27FC236}">
+                <a16:creationId xmlns:a16="http://schemas.microsoft.com/office/drawing/2014/main" id="{1273501C-BA40-4D0F-A613-1D3E54735A04}"/>
+              </a:ext>
+            </a:extLst>
+          </p:cNvPr>
+          <p:cNvPicPr>
+            <a:picLocks/>
+          </p:cNvPicPr>
+          <p:nvPr/>
+        </p:nvPicPr>
+        <p:blipFill>
+          <a:blip r:embed="rId3">
+            <a:extLst>
+              <a:ext uri="{28A0092B-C50C-407E-A947-70E740481C1C}">
+                <a14:useLocalDpi xmlns:a14="http://schemas.microsoft.com/office/drawing/2010/main" val="0"/>
+              </a:ext>
+            </a:extLst>
+          </a:blip>
+          <a:stretch>
+            <a:fillRect/>
+          </a:stretch>
+        </p:blipFill>
+        <p:spPr>
+          <a:xfrm>
+            <a:off x="180532" y="3210938"/>
+            <a:ext cx="3600000" cy="2880000"/>
+          </a:xfrm>
+          <a:prstGeom prst="rect">
+            <a:avLst/>
+          </a:prstGeom>
+        </p:spPr>
+      </p:pic>
+      <p:pic>
+        <p:nvPicPr>
           <p:cNvPr id="3" name="Grafik 2">
             <a:extLst>
               <a:ext uri="{FF2B5EF4-FFF2-40B4-BE49-F238E27FC236}">
@@ -4233,12 +4449,12 @@
           <p:nvPr/>
         </p:nvPicPr>
         <p:blipFill>
-          <a:blip r:embed="rId2">
+          <a:blip r:embed="rId4">
             <a:alphaModFix amt="95000"/>
             <a:extLst>
               <a:ext uri="{BEBA8EAE-BF5A-486C-A8C5-ECC9F3942E4B}">
                 <a14:imgProps xmlns:a14="http://schemas.microsoft.com/office/drawing/2010/main">
-                  <a14:imgLayer r:embed="rId3">
+                  <a14:imgLayer r:embed="rId5">
                     <a14:imgEffect>
                       <a14:sharpenSoften amount="25000"/>
                     </a14:imgEffect>
@@ -4664,6 +4880,78 @@
       </p:grpSpPr>
       <p:pic>
         <p:nvPicPr>
+          <p:cNvPr id="4" name="Grafik 3">
+            <a:extLst>
+              <a:ext uri="{FF2B5EF4-FFF2-40B4-BE49-F238E27FC236}">
+                <a16:creationId xmlns:a16="http://schemas.microsoft.com/office/drawing/2014/main" id="{FB29C48E-025E-4D82-950C-E30D345620FD}"/>
+              </a:ext>
+            </a:extLst>
+          </p:cNvPr>
+          <p:cNvPicPr>
+            <a:picLocks/>
+          </p:cNvPicPr>
+          <p:nvPr/>
+        </p:nvPicPr>
+        <p:blipFill>
+          <a:blip r:embed="rId2">
+            <a:extLst>
+              <a:ext uri="{28A0092B-C50C-407E-A947-70E740481C1C}">
+                <a14:useLocalDpi xmlns:a14="http://schemas.microsoft.com/office/drawing/2010/main" val="0"/>
+              </a:ext>
+            </a:extLst>
+          </a:blip>
+          <a:stretch>
+            <a:fillRect/>
+          </a:stretch>
+        </p:blipFill>
+        <p:spPr>
+          <a:xfrm>
+            <a:off x="152843" y="178981"/>
+            <a:ext cx="3600000" cy="2880000"/>
+          </a:xfrm>
+          <a:prstGeom prst="rect">
+            <a:avLst/>
+          </a:prstGeom>
+        </p:spPr>
+      </p:pic>
+      <p:pic>
+        <p:nvPicPr>
+          <p:cNvPr id="6" name="Grafik 5">
+            <a:extLst>
+              <a:ext uri="{FF2B5EF4-FFF2-40B4-BE49-F238E27FC236}">
+                <a16:creationId xmlns:a16="http://schemas.microsoft.com/office/drawing/2014/main" id="{963544F9-D872-454B-BE58-A7EB3107E24F}"/>
+              </a:ext>
+            </a:extLst>
+          </p:cNvPr>
+          <p:cNvPicPr>
+            <a:picLocks/>
+          </p:cNvPicPr>
+          <p:nvPr/>
+        </p:nvPicPr>
+        <p:blipFill>
+          <a:blip r:embed="rId3">
+            <a:extLst>
+              <a:ext uri="{28A0092B-C50C-407E-A947-70E740481C1C}">
+                <a14:useLocalDpi xmlns:a14="http://schemas.microsoft.com/office/drawing/2010/main" val="0"/>
+              </a:ext>
+            </a:extLst>
+          </a:blip>
+          <a:stretch>
+            <a:fillRect/>
+          </a:stretch>
+        </p:blipFill>
+        <p:spPr>
+          <a:xfrm>
+            <a:off x="152843" y="3231108"/>
+            <a:ext cx="3600000" cy="2880000"/>
+          </a:xfrm>
+          <a:prstGeom prst="rect">
+            <a:avLst/>
+          </a:prstGeom>
+        </p:spPr>
+      </p:pic>
+      <p:pic>
+        <p:nvPicPr>
           <p:cNvPr id="3" name="Grafik 2">
             <a:extLst>
               <a:ext uri="{FF2B5EF4-FFF2-40B4-BE49-F238E27FC236}">
@@ -4677,12 +4965,12 @@
           <p:nvPr/>
         </p:nvPicPr>
         <p:blipFill>
-          <a:blip r:embed="rId2">
+          <a:blip r:embed="rId4">
             <a:alphaModFix amt="95000"/>
             <a:extLst>
               <a:ext uri="{BEBA8EAE-BF5A-486C-A8C5-ECC9F3942E4B}">
                 <a14:imgProps xmlns:a14="http://schemas.microsoft.com/office/drawing/2010/main">
-                  <a14:imgLayer r:embed="rId3">
+                  <a14:imgLayer r:embed="rId5">
                     <a14:imgEffect>
                       <a14:sharpenSoften amount="25000"/>
                     </a14:imgEffect>

--- a/Meilenstein 3/Präsentation/Präsentation MS3_aufgehübscht.pptx
+++ b/Meilenstein 3/Präsentation/Präsentation MS3_aufgehübscht.pptx
@@ -5,7 +5,7 @@
     <p:sldMasterId id="2147483756" r:id="rId1"/>
   </p:sldMasterIdLst>
   <p:notesMasterIdLst>
-    <p:notesMasterId r:id="rId24"/>
+    <p:notesMasterId r:id="rId23"/>
   </p:notesMasterIdLst>
   <p:sldIdLst>
     <p:sldId id="256" r:id="rId2"/>
@@ -16,20 +16,19 @@
     <p:sldId id="305" r:id="rId7"/>
     <p:sldId id="294" r:id="rId8"/>
     <p:sldId id="295" r:id="rId9"/>
-    <p:sldId id="306" r:id="rId10"/>
-    <p:sldId id="296" r:id="rId11"/>
-    <p:sldId id="297" r:id="rId12"/>
-    <p:sldId id="298" r:id="rId13"/>
-    <p:sldId id="299" r:id="rId14"/>
-    <p:sldId id="300" r:id="rId15"/>
-    <p:sldId id="301" r:id="rId16"/>
-    <p:sldId id="302" r:id="rId17"/>
-    <p:sldId id="293" r:id="rId18"/>
-    <p:sldId id="303" r:id="rId19"/>
-    <p:sldId id="304" r:id="rId20"/>
-    <p:sldId id="272" r:id="rId21"/>
-    <p:sldId id="286" r:id="rId22"/>
-    <p:sldId id="292" r:id="rId23"/>
+    <p:sldId id="296" r:id="rId10"/>
+    <p:sldId id="297" r:id="rId11"/>
+    <p:sldId id="298" r:id="rId12"/>
+    <p:sldId id="299" r:id="rId13"/>
+    <p:sldId id="300" r:id="rId14"/>
+    <p:sldId id="301" r:id="rId15"/>
+    <p:sldId id="302" r:id="rId16"/>
+    <p:sldId id="293" r:id="rId17"/>
+    <p:sldId id="303" r:id="rId18"/>
+    <p:sldId id="304" r:id="rId19"/>
+    <p:sldId id="272" r:id="rId20"/>
+    <p:sldId id="286" r:id="rId21"/>
+    <p:sldId id="292" r:id="rId22"/>
   </p:sldIdLst>
   <p:sldSz cx="12192000" cy="6858000"/>
   <p:notesSz cx="6858000" cy="9144000"/>
@@ -3882,10 +3881,82 @@
       </p:grpSpPr>
       <p:pic>
         <p:nvPicPr>
-          <p:cNvPr id="5" name="Grafik 4">
+          <p:cNvPr id="6" name="Grafik 5" descr="Ein Bild, das Karte, Text, Strichzeichnung enthält.&#10;&#10;Automatisch generierte Beschreibung">
             <a:extLst>
               <a:ext uri="{FF2B5EF4-FFF2-40B4-BE49-F238E27FC236}">
-                <a16:creationId xmlns:a16="http://schemas.microsoft.com/office/drawing/2014/main" id="{BCA064C7-6656-4AA6-839E-E61867CC7DE2}"/>
+                <a16:creationId xmlns:a16="http://schemas.microsoft.com/office/drawing/2014/main" id="{3A1DF391-5344-4B18-B8DF-A5821B54EDF3}"/>
+              </a:ext>
+            </a:extLst>
+          </p:cNvPr>
+          <p:cNvPicPr>
+            <a:picLocks/>
+          </p:cNvPicPr>
+          <p:nvPr/>
+        </p:nvPicPr>
+        <p:blipFill>
+          <a:blip r:embed="rId2">
+            <a:extLst>
+              <a:ext uri="{28A0092B-C50C-407E-A947-70E740481C1C}">
+                <a14:useLocalDpi xmlns:a14="http://schemas.microsoft.com/office/drawing/2010/main" val="0"/>
+              </a:ext>
+            </a:extLst>
+          </a:blip>
+          <a:stretch>
+            <a:fillRect/>
+          </a:stretch>
+        </p:blipFill>
+        <p:spPr>
+          <a:xfrm>
+            <a:off x="144000" y="3600000"/>
+            <a:ext cx="3600000" cy="2880000"/>
+          </a:xfrm>
+          <a:prstGeom prst="rect">
+            <a:avLst/>
+          </a:prstGeom>
+        </p:spPr>
+      </p:pic>
+      <p:pic>
+        <p:nvPicPr>
+          <p:cNvPr id="8" name="Grafik 7" descr="Ein Bild, das Karte, Strichzeichnung enthält.&#10;&#10;Automatisch generierte Beschreibung">
+            <a:extLst>
+              <a:ext uri="{FF2B5EF4-FFF2-40B4-BE49-F238E27FC236}">
+                <a16:creationId xmlns:a16="http://schemas.microsoft.com/office/drawing/2014/main" id="{40E36230-98E8-489C-9A3E-EC10CAF5C1A9}"/>
+              </a:ext>
+            </a:extLst>
+          </p:cNvPr>
+          <p:cNvPicPr>
+            <a:picLocks/>
+          </p:cNvPicPr>
+          <p:nvPr/>
+        </p:nvPicPr>
+        <p:blipFill>
+          <a:blip r:embed="rId3">
+            <a:extLst>
+              <a:ext uri="{28A0092B-C50C-407E-A947-70E740481C1C}">
+                <a14:useLocalDpi xmlns:a14="http://schemas.microsoft.com/office/drawing/2010/main" val="0"/>
+              </a:ext>
+            </a:extLst>
+          </a:blip>
+          <a:stretch>
+            <a:fillRect/>
+          </a:stretch>
+        </p:blipFill>
+        <p:spPr>
+          <a:xfrm>
+            <a:off x="144000" y="360000"/>
+            <a:ext cx="3600000" cy="2880000"/>
+          </a:xfrm>
+          <a:prstGeom prst="rect">
+            <a:avLst/>
+          </a:prstGeom>
+        </p:spPr>
+      </p:pic>
+      <p:pic>
+        <p:nvPicPr>
+          <p:cNvPr id="3" name="Grafik 2">
+            <a:extLst>
+              <a:ext uri="{FF2B5EF4-FFF2-40B4-BE49-F238E27FC236}">
+                <a16:creationId xmlns:a16="http://schemas.microsoft.com/office/drawing/2014/main" id="{14374639-D400-41F1-AEE9-C223C19644F3}"/>
               </a:ext>
             </a:extLst>
           </p:cNvPr>
@@ -3895,10 +3966,17 @@
           <p:nvPr/>
         </p:nvPicPr>
         <p:blipFill>
-          <a:blip r:embed="rId2">
+          <a:blip r:embed="rId4">
+            <a:alphaModFix amt="95000"/>
             <a:extLst>
-              <a:ext uri="{28A0092B-C50C-407E-A947-70E740481C1C}">
-                <a14:useLocalDpi xmlns:a14="http://schemas.microsoft.com/office/drawing/2010/main" val="0"/>
+              <a:ext uri="{BEBA8EAE-BF5A-486C-A8C5-ECC9F3942E4B}">
+                <a14:imgProps xmlns:a14="http://schemas.microsoft.com/office/drawing/2010/main">
+                  <a14:imgLayer r:embed="rId5">
+                    <a14:imgEffect>
+                      <a14:sharpenSoften amount="25000"/>
+                    </a14:imgEffect>
+                  </a14:imgLayer>
+                </a14:imgProps>
               </a:ext>
             </a:extLst>
           </a:blip>
@@ -3908,51 +3986,8 @@
         </p:blipFill>
         <p:spPr>
           <a:xfrm>
-            <a:off x="1855570" y="153522"/>
-            <a:ext cx="8480860" cy="6550955"/>
-          </a:xfrm>
-          <a:prstGeom prst="rect">
-            <a:avLst/>
-          </a:prstGeom>
-        </p:spPr>
-      </p:pic>
-      <p:pic>
-        <p:nvPicPr>
-          <p:cNvPr id="3" name="Grafik 2">
-            <a:extLst>
-              <a:ext uri="{FF2B5EF4-FFF2-40B4-BE49-F238E27FC236}">
-                <a16:creationId xmlns:a16="http://schemas.microsoft.com/office/drawing/2014/main" id="{8FA769FA-2ECF-4005-A7F4-D9A1D0B5804F}"/>
-              </a:ext>
-            </a:extLst>
-          </p:cNvPr>
-          <p:cNvPicPr>
-            <a:picLocks noChangeAspect="1"/>
-          </p:cNvPicPr>
-          <p:nvPr/>
-        </p:nvPicPr>
-        <p:blipFill>
-          <a:blip r:embed="rId3">
-            <a:alphaModFix amt="95000"/>
-            <a:extLst>
-              <a:ext uri="{BEBA8EAE-BF5A-486C-A8C5-ECC9F3942E4B}">
-                <a14:imgProps xmlns:a14="http://schemas.microsoft.com/office/drawing/2010/main">
-                  <a14:imgLayer r:embed="rId4">
-                    <a14:imgEffect>
-                      <a14:sharpenSoften amount="25000"/>
-                    </a14:imgEffect>
-                  </a14:imgLayer>
-                </a14:imgProps>
-              </a:ext>
-            </a:extLst>
-          </a:blip>
-          <a:stretch>
-            <a:fillRect/>
-          </a:stretch>
-        </p:blipFill>
-        <p:spPr>
-          <a:xfrm>
-            <a:off x="0" y="6270"/>
-            <a:ext cx="12192000" cy="6845460"/>
+            <a:off x="0" y="0"/>
+            <a:ext cx="12192000" cy="6858000"/>
           </a:xfrm>
           <a:prstGeom prst="rect">
             <a:avLst/>
@@ -3962,7 +3997,7 @@
     </p:spTree>
     <p:extLst>
       <p:ext uri="{BB962C8B-B14F-4D97-AF65-F5344CB8AC3E}">
-        <p14:creationId xmlns:p14="http://schemas.microsoft.com/office/powerpoint/2010/main" val="1114942977"/>
+        <p14:creationId xmlns:p14="http://schemas.microsoft.com/office/powerpoint/2010/main" val="3058959737"/>
       </p:ext>
     </p:extLst>
   </p:cSld>
@@ -4074,10 +4109,10 @@
       </p:grpSpPr>
       <p:pic>
         <p:nvPicPr>
-          <p:cNvPr id="6" name="Grafik 5" descr="Ein Bild, das Karte, Text, Strichzeichnung enthält.&#10;&#10;Automatisch generierte Beschreibung">
+          <p:cNvPr id="4" name="Grafik 3" descr="Ein Bild, das Karte, Text, Strichzeichnung enthält.&#10;&#10;Automatisch generierte Beschreibung">
             <a:extLst>
               <a:ext uri="{FF2B5EF4-FFF2-40B4-BE49-F238E27FC236}">
-                <a16:creationId xmlns:a16="http://schemas.microsoft.com/office/drawing/2014/main" id="{3A1DF391-5344-4B18-B8DF-A5821B54EDF3}"/>
+                <a16:creationId xmlns:a16="http://schemas.microsoft.com/office/drawing/2014/main" id="{330FE219-CF22-4F69-8613-A7F70B464926}"/>
               </a:ext>
             </a:extLst>
           </p:cNvPr>
@@ -4100,7 +4135,7 @@
         </p:blipFill>
         <p:spPr>
           <a:xfrm>
-            <a:off x="106325" y="3092650"/>
+            <a:off x="144000" y="360000"/>
             <a:ext cx="3600000" cy="2880000"/>
           </a:xfrm>
           <a:prstGeom prst="rect">
@@ -4110,10 +4145,10 @@
       </p:pic>
       <p:pic>
         <p:nvPicPr>
-          <p:cNvPr id="8" name="Grafik 7" descr="Ein Bild, das Karte, Strichzeichnung enthält.&#10;&#10;Automatisch generierte Beschreibung">
+          <p:cNvPr id="6" name="Grafik 5">
             <a:extLst>
               <a:ext uri="{FF2B5EF4-FFF2-40B4-BE49-F238E27FC236}">
-                <a16:creationId xmlns:a16="http://schemas.microsoft.com/office/drawing/2014/main" id="{40E36230-98E8-489C-9A3E-EC10CAF5C1A9}"/>
+                <a16:creationId xmlns:a16="http://schemas.microsoft.com/office/drawing/2014/main" id="{B62FF85F-1C87-4C25-AA8B-FF85654543D1}"/>
               </a:ext>
             </a:extLst>
           </p:cNvPr>
@@ -4136,7 +4171,7 @@
         </p:blipFill>
         <p:spPr>
           <a:xfrm>
-            <a:off x="106325" y="106325"/>
+            <a:off x="144000" y="3600000"/>
             <a:ext cx="3600000" cy="2880000"/>
           </a:xfrm>
           <a:prstGeom prst="rect">
@@ -4149,7 +4184,7 @@
           <p:cNvPr id="3" name="Grafik 2">
             <a:extLst>
               <a:ext uri="{FF2B5EF4-FFF2-40B4-BE49-F238E27FC236}">
-                <a16:creationId xmlns:a16="http://schemas.microsoft.com/office/drawing/2014/main" id="{14374639-D400-41F1-AEE9-C223C19644F3}"/>
+                <a16:creationId xmlns:a16="http://schemas.microsoft.com/office/drawing/2014/main" id="{0906151F-FD57-4F86-9F27-D634907C002B}"/>
               </a:ext>
             </a:extLst>
           </p:cNvPr>
@@ -4179,8 +4214,8 @@
         </p:blipFill>
         <p:spPr>
           <a:xfrm>
-            <a:off x="0" y="0"/>
-            <a:ext cx="12192000" cy="6858000"/>
+            <a:off x="4293" y="-47194"/>
+            <a:ext cx="12183414" cy="6905194"/>
           </a:xfrm>
           <a:prstGeom prst="rect">
             <a:avLst/>
@@ -4190,13 +4225,96 @@
     </p:spTree>
     <p:extLst>
       <p:ext uri="{BB962C8B-B14F-4D97-AF65-F5344CB8AC3E}">
-        <p14:creationId xmlns:p14="http://schemas.microsoft.com/office/powerpoint/2010/main" val="3058959737"/>
+        <p14:creationId xmlns:p14="http://schemas.microsoft.com/office/powerpoint/2010/main" val="3408374782"/>
       </p:ext>
     </p:extLst>
   </p:cSld>
   <p:clrMapOvr>
     <a:masterClrMapping/>
   </p:clrMapOvr>
+  <p:timing>
+    <p:tnLst>
+      <p:par>
+        <p:cTn id="1" dur="indefinite" restart="never" nodeType="tmRoot">
+          <p:childTnLst>
+            <p:seq concurrent="1" nextAc="seek">
+              <p:cTn id="2" dur="indefinite" nodeType="mainSeq">
+                <p:childTnLst>
+                  <p:par>
+                    <p:cTn id="3" fill="hold">
+                      <p:stCondLst>
+                        <p:cond delay="indefinite"/>
+                      </p:stCondLst>
+                      <p:childTnLst>
+                        <p:par>
+                          <p:cTn id="4" fill="hold">
+                            <p:stCondLst>
+                              <p:cond delay="0"/>
+                            </p:stCondLst>
+                            <p:childTnLst>
+                              <p:par>
+                                <p:cTn id="5" presetID="10" presetClass="exit" presetSubtype="0" fill="hold" nodeType="clickEffect">
+                                  <p:stCondLst>
+                                    <p:cond delay="0"/>
+                                  </p:stCondLst>
+                                  <p:childTnLst>
+                                    <p:animEffect transition="out" filter="fade">
+                                      <p:cBhvr>
+                                        <p:cTn id="6" dur="500"/>
+                                        <p:tgtEl>
+                                          <p:spTgt spid="3"/>
+                                        </p:tgtEl>
+                                      </p:cBhvr>
+                                    </p:animEffect>
+                                    <p:set>
+                                      <p:cBhvr>
+                                        <p:cTn id="7" dur="1" fill="hold">
+                                          <p:stCondLst>
+                                            <p:cond delay="499"/>
+                                          </p:stCondLst>
+                                        </p:cTn>
+                                        <p:tgtEl>
+                                          <p:spTgt spid="3"/>
+                                        </p:tgtEl>
+                                        <p:attrNameLst>
+                                          <p:attrName>style.visibility</p:attrName>
+                                        </p:attrNameLst>
+                                      </p:cBhvr>
+                                      <p:to>
+                                        <p:strVal val="hidden"/>
+                                      </p:to>
+                                    </p:set>
+                                  </p:childTnLst>
+                                </p:cTn>
+                              </p:par>
+                            </p:childTnLst>
+                          </p:cTn>
+                        </p:par>
+                      </p:childTnLst>
+                    </p:cTn>
+                  </p:par>
+                </p:childTnLst>
+              </p:cTn>
+              <p:prevCondLst>
+                <p:cond evt="onPrev" delay="0">
+                  <p:tgtEl>
+                    <p:sldTgt/>
+                  </p:tgtEl>
+                </p:cond>
+              </p:prevCondLst>
+              <p:nextCondLst>
+                <p:cond evt="onNext" delay="0">
+                  <p:tgtEl>
+                    <p:sldTgt/>
+                  </p:tgtEl>
+                </p:cond>
+              </p:nextCondLst>
+            </p:seq>
+          </p:childTnLst>
+        </p:cTn>
+      </p:par>
+    </p:tnLst>
+  </p:timing>
 </p:sld>
 </file>
 
@@ -4219,10 +4337,10 @@
       </p:grpSpPr>
       <p:pic>
         <p:nvPicPr>
-          <p:cNvPr id="4" name="Grafik 3" descr="Ein Bild, das Karte, Text, Strichzeichnung enthält.&#10;&#10;Automatisch generierte Beschreibung">
+          <p:cNvPr id="4" name="Grafik 3" descr="Ein Bild, das Karte, Strichzeichnung, Text enthält.&#10;&#10;Automatisch generierte Beschreibung">
             <a:extLst>
               <a:ext uri="{FF2B5EF4-FFF2-40B4-BE49-F238E27FC236}">
-                <a16:creationId xmlns:a16="http://schemas.microsoft.com/office/drawing/2014/main" id="{330FE219-CF22-4F69-8613-A7F70B464926}"/>
+                <a16:creationId xmlns:a16="http://schemas.microsoft.com/office/drawing/2014/main" id="{E648115D-7E87-4F1B-BAC1-A08C8FE8BB55}"/>
               </a:ext>
             </a:extLst>
           </p:cNvPr>
@@ -4245,7 +4363,7 @@
         </p:blipFill>
         <p:spPr>
           <a:xfrm>
-            <a:off x="115230" y="85060"/>
+            <a:off x="144000" y="360000"/>
             <a:ext cx="3600000" cy="2880000"/>
           </a:xfrm>
           <a:prstGeom prst="rect">
@@ -4255,10 +4373,10 @@
       </p:pic>
       <p:pic>
         <p:nvPicPr>
-          <p:cNvPr id="6" name="Grafik 5">
+          <p:cNvPr id="6" name="Grafik 5" descr="Ein Bild, das Karte, Text, Strichzeichnung enthält.&#10;&#10;Automatisch generierte Beschreibung">
             <a:extLst>
               <a:ext uri="{FF2B5EF4-FFF2-40B4-BE49-F238E27FC236}">
-                <a16:creationId xmlns:a16="http://schemas.microsoft.com/office/drawing/2014/main" id="{B62FF85F-1C87-4C25-AA8B-FF85654543D1}"/>
+                <a16:creationId xmlns:a16="http://schemas.microsoft.com/office/drawing/2014/main" id="{1273501C-BA40-4D0F-A613-1D3E54735A04}"/>
               </a:ext>
             </a:extLst>
           </p:cNvPr>
@@ -4281,7 +4399,7 @@
         </p:blipFill>
         <p:spPr>
           <a:xfrm>
-            <a:off x="115230" y="3097314"/>
+            <a:off x="144000" y="3600000"/>
             <a:ext cx="3600000" cy="2880000"/>
           </a:xfrm>
           <a:prstGeom prst="rect">
@@ -4294,7 +4412,7 @@
           <p:cNvPr id="3" name="Grafik 2">
             <a:extLst>
               <a:ext uri="{FF2B5EF4-FFF2-40B4-BE49-F238E27FC236}">
-                <a16:creationId xmlns:a16="http://schemas.microsoft.com/office/drawing/2014/main" id="{0906151F-FD57-4F86-9F27-D634907C002B}"/>
+                <a16:creationId xmlns:a16="http://schemas.microsoft.com/office/drawing/2014/main" id="{FA334489-8643-413E-852E-F7140569D1E8}"/>
               </a:ext>
             </a:extLst>
           </p:cNvPr>
@@ -4324,8 +4442,8 @@
         </p:blipFill>
         <p:spPr>
           <a:xfrm>
-            <a:off x="4293" y="-47194"/>
-            <a:ext cx="12183414" cy="6905194"/>
+            <a:off x="2953" y="0"/>
+            <a:ext cx="12186094" cy="6858000"/>
           </a:xfrm>
           <a:prstGeom prst="rect">
             <a:avLst/>
@@ -4335,13 +4453,96 @@
     </p:spTree>
     <p:extLst>
       <p:ext uri="{BB962C8B-B14F-4D97-AF65-F5344CB8AC3E}">
-        <p14:creationId xmlns:p14="http://schemas.microsoft.com/office/powerpoint/2010/main" val="3408374782"/>
+        <p14:creationId xmlns:p14="http://schemas.microsoft.com/office/powerpoint/2010/main" val="2133279987"/>
       </p:ext>
     </p:extLst>
   </p:cSld>
   <p:clrMapOvr>
     <a:masterClrMapping/>
   </p:clrMapOvr>
+  <p:timing>
+    <p:tnLst>
+      <p:par>
+        <p:cTn id="1" dur="indefinite" restart="never" nodeType="tmRoot">
+          <p:childTnLst>
+            <p:seq concurrent="1" nextAc="seek">
+              <p:cTn id="2" dur="indefinite" nodeType="mainSeq">
+                <p:childTnLst>
+                  <p:par>
+                    <p:cTn id="3" fill="hold">
+                      <p:stCondLst>
+                        <p:cond delay="indefinite"/>
+                      </p:stCondLst>
+                      <p:childTnLst>
+                        <p:par>
+                          <p:cTn id="4" fill="hold">
+                            <p:stCondLst>
+                              <p:cond delay="0"/>
+                            </p:stCondLst>
+                            <p:childTnLst>
+                              <p:par>
+                                <p:cTn id="5" presetID="10" presetClass="exit" presetSubtype="0" fill="hold" nodeType="clickEffect">
+                                  <p:stCondLst>
+                                    <p:cond delay="0"/>
+                                  </p:stCondLst>
+                                  <p:childTnLst>
+                                    <p:animEffect transition="out" filter="fade">
+                                      <p:cBhvr>
+                                        <p:cTn id="6" dur="500"/>
+                                        <p:tgtEl>
+                                          <p:spTgt spid="3"/>
+                                        </p:tgtEl>
+                                      </p:cBhvr>
+                                    </p:animEffect>
+                                    <p:set>
+                                      <p:cBhvr>
+                                        <p:cTn id="7" dur="1" fill="hold">
+                                          <p:stCondLst>
+                                            <p:cond delay="499"/>
+                                          </p:stCondLst>
+                                        </p:cTn>
+                                        <p:tgtEl>
+                                          <p:spTgt spid="3"/>
+                                        </p:tgtEl>
+                                        <p:attrNameLst>
+                                          <p:attrName>style.visibility</p:attrName>
+                                        </p:attrNameLst>
+                                      </p:cBhvr>
+                                      <p:to>
+                                        <p:strVal val="hidden"/>
+                                      </p:to>
+                                    </p:set>
+                                  </p:childTnLst>
+                                </p:cTn>
+                              </p:par>
+                            </p:childTnLst>
+                          </p:cTn>
+                        </p:par>
+                      </p:childTnLst>
+                    </p:cTn>
+                  </p:par>
+                </p:childTnLst>
+              </p:cTn>
+              <p:prevCondLst>
+                <p:cond evt="onPrev" delay="0">
+                  <p:tgtEl>
+                    <p:sldTgt/>
+                  </p:tgtEl>
+                </p:cond>
+              </p:prevCondLst>
+              <p:nextCondLst>
+                <p:cond evt="onNext" delay="0">
+                  <p:tgtEl>
+                    <p:sldTgt/>
+                  </p:tgtEl>
+                </p:cond>
+              </p:nextCondLst>
+            </p:seq>
+          </p:childTnLst>
+        </p:cTn>
+      </p:par>
+    </p:tnLst>
+  </p:timing>
 </p:sld>
 </file>
 
@@ -4364,151 +4565,6 @@
       </p:grpSpPr>
       <p:pic>
         <p:nvPicPr>
-          <p:cNvPr id="4" name="Grafik 3" descr="Ein Bild, das Karte, Strichzeichnung, Text enthält.&#10;&#10;Automatisch generierte Beschreibung">
-            <a:extLst>
-              <a:ext uri="{FF2B5EF4-FFF2-40B4-BE49-F238E27FC236}">
-                <a16:creationId xmlns:a16="http://schemas.microsoft.com/office/drawing/2014/main" id="{E648115D-7E87-4F1B-BAC1-A08C8FE8BB55}"/>
-              </a:ext>
-            </a:extLst>
-          </p:cNvPr>
-          <p:cNvPicPr>
-            <a:picLocks/>
-          </p:cNvPicPr>
-          <p:nvPr/>
-        </p:nvPicPr>
-        <p:blipFill>
-          <a:blip r:embed="rId2">
-            <a:extLst>
-              <a:ext uri="{28A0092B-C50C-407E-A947-70E740481C1C}">
-                <a14:useLocalDpi xmlns:a14="http://schemas.microsoft.com/office/drawing/2010/main" val="0"/>
-              </a:ext>
-            </a:extLst>
-          </a:blip>
-          <a:stretch>
-            <a:fillRect/>
-          </a:stretch>
-        </p:blipFill>
-        <p:spPr>
-          <a:xfrm>
-            <a:off x="180532" y="165469"/>
-            <a:ext cx="3600000" cy="2880000"/>
-          </a:xfrm>
-          <a:prstGeom prst="rect">
-            <a:avLst/>
-          </a:prstGeom>
-        </p:spPr>
-      </p:pic>
-      <p:pic>
-        <p:nvPicPr>
-          <p:cNvPr id="6" name="Grafik 5" descr="Ein Bild, das Karte, Text, Strichzeichnung enthält.&#10;&#10;Automatisch generierte Beschreibung">
-            <a:extLst>
-              <a:ext uri="{FF2B5EF4-FFF2-40B4-BE49-F238E27FC236}">
-                <a16:creationId xmlns:a16="http://schemas.microsoft.com/office/drawing/2014/main" id="{1273501C-BA40-4D0F-A613-1D3E54735A04}"/>
-              </a:ext>
-            </a:extLst>
-          </p:cNvPr>
-          <p:cNvPicPr>
-            <a:picLocks/>
-          </p:cNvPicPr>
-          <p:nvPr/>
-        </p:nvPicPr>
-        <p:blipFill>
-          <a:blip r:embed="rId3">
-            <a:extLst>
-              <a:ext uri="{28A0092B-C50C-407E-A947-70E740481C1C}">
-                <a14:useLocalDpi xmlns:a14="http://schemas.microsoft.com/office/drawing/2010/main" val="0"/>
-              </a:ext>
-            </a:extLst>
-          </a:blip>
-          <a:stretch>
-            <a:fillRect/>
-          </a:stretch>
-        </p:blipFill>
-        <p:spPr>
-          <a:xfrm>
-            <a:off x="180532" y="3210938"/>
-            <a:ext cx="3600000" cy="2880000"/>
-          </a:xfrm>
-          <a:prstGeom prst="rect">
-            <a:avLst/>
-          </a:prstGeom>
-        </p:spPr>
-      </p:pic>
-      <p:pic>
-        <p:nvPicPr>
-          <p:cNvPr id="3" name="Grafik 2">
-            <a:extLst>
-              <a:ext uri="{FF2B5EF4-FFF2-40B4-BE49-F238E27FC236}">
-                <a16:creationId xmlns:a16="http://schemas.microsoft.com/office/drawing/2014/main" id="{FA334489-8643-413E-852E-F7140569D1E8}"/>
-              </a:ext>
-            </a:extLst>
-          </p:cNvPr>
-          <p:cNvPicPr>
-            <a:picLocks noChangeAspect="1"/>
-          </p:cNvPicPr>
-          <p:nvPr/>
-        </p:nvPicPr>
-        <p:blipFill>
-          <a:blip r:embed="rId4">
-            <a:alphaModFix amt="95000"/>
-            <a:extLst>
-              <a:ext uri="{BEBA8EAE-BF5A-486C-A8C5-ECC9F3942E4B}">
-                <a14:imgProps xmlns:a14="http://schemas.microsoft.com/office/drawing/2010/main">
-                  <a14:imgLayer r:embed="rId5">
-                    <a14:imgEffect>
-                      <a14:sharpenSoften amount="25000"/>
-                    </a14:imgEffect>
-                  </a14:imgLayer>
-                </a14:imgProps>
-              </a:ext>
-            </a:extLst>
-          </a:blip>
-          <a:stretch>
-            <a:fillRect/>
-          </a:stretch>
-        </p:blipFill>
-        <p:spPr>
-          <a:xfrm>
-            <a:off x="2953" y="0"/>
-            <a:ext cx="12186094" cy="6858000"/>
-          </a:xfrm>
-          <a:prstGeom prst="rect">
-            <a:avLst/>
-          </a:prstGeom>
-        </p:spPr>
-      </p:pic>
-    </p:spTree>
-    <p:extLst>
-      <p:ext uri="{BB962C8B-B14F-4D97-AF65-F5344CB8AC3E}">
-        <p14:creationId xmlns:p14="http://schemas.microsoft.com/office/powerpoint/2010/main" val="2133279987"/>
-      </p:ext>
-    </p:extLst>
-  </p:cSld>
-  <p:clrMapOvr>
-    <a:masterClrMapping/>
-  </p:clrMapOvr>
-</p:sld>
-</file>
-
-<file path=ppt/slides/slide14.xml><?xml version="1.0" encoding="utf-8"?>
-<p:sld xmlns:a="http://schemas.openxmlformats.org/drawingml/2006/main" xmlns:r="http://schemas.openxmlformats.org/officeDocument/2006/relationships" xmlns:p="http://schemas.openxmlformats.org/presentationml/2006/main">
-  <p:cSld>
-    <p:spTree>
-      <p:nvGrpSpPr>
-        <p:cNvPr id="1" name=""/>
-        <p:cNvGrpSpPr/>
-        <p:nvPr/>
-      </p:nvGrpSpPr>
-      <p:grpSpPr>
-        <a:xfrm>
-          <a:off x="0" y="0"/>
-          <a:ext cx="0" cy="0"/>
-          <a:chOff x="0" y="0"/>
-          <a:chExt cx="0" cy="0"/>
-        </a:xfrm>
-      </p:grpSpPr>
-      <p:pic>
-        <p:nvPicPr>
           <p:cNvPr id="4" name="Grafik 3">
             <a:extLst>
               <a:ext uri="{FF2B5EF4-FFF2-40B4-BE49-F238E27FC236}">
@@ -4590,10 +4646,93 @@
   <p:clrMapOvr>
     <a:masterClrMapping/>
   </p:clrMapOvr>
+  <p:timing>
+    <p:tnLst>
+      <p:par>
+        <p:cTn id="1" dur="indefinite" restart="never" nodeType="tmRoot">
+          <p:childTnLst>
+            <p:seq concurrent="1" nextAc="seek">
+              <p:cTn id="2" dur="indefinite" nodeType="mainSeq">
+                <p:childTnLst>
+                  <p:par>
+                    <p:cTn id="3" fill="hold">
+                      <p:stCondLst>
+                        <p:cond delay="indefinite"/>
+                      </p:stCondLst>
+                      <p:childTnLst>
+                        <p:par>
+                          <p:cTn id="4" fill="hold">
+                            <p:stCondLst>
+                              <p:cond delay="0"/>
+                            </p:stCondLst>
+                            <p:childTnLst>
+                              <p:par>
+                                <p:cTn id="5" presetID="10" presetClass="exit" presetSubtype="0" fill="hold" nodeType="clickEffect">
+                                  <p:stCondLst>
+                                    <p:cond delay="0"/>
+                                  </p:stCondLst>
+                                  <p:childTnLst>
+                                    <p:animEffect transition="out" filter="fade">
+                                      <p:cBhvr>
+                                        <p:cTn id="6" dur="500"/>
+                                        <p:tgtEl>
+                                          <p:spTgt spid="3"/>
+                                        </p:tgtEl>
+                                      </p:cBhvr>
+                                    </p:animEffect>
+                                    <p:set>
+                                      <p:cBhvr>
+                                        <p:cTn id="7" dur="1" fill="hold">
+                                          <p:stCondLst>
+                                            <p:cond delay="499"/>
+                                          </p:stCondLst>
+                                        </p:cTn>
+                                        <p:tgtEl>
+                                          <p:spTgt spid="3"/>
+                                        </p:tgtEl>
+                                        <p:attrNameLst>
+                                          <p:attrName>style.visibility</p:attrName>
+                                        </p:attrNameLst>
+                                      </p:cBhvr>
+                                      <p:to>
+                                        <p:strVal val="hidden"/>
+                                      </p:to>
+                                    </p:set>
+                                  </p:childTnLst>
+                                </p:cTn>
+                              </p:par>
+                            </p:childTnLst>
+                          </p:cTn>
+                        </p:par>
+                      </p:childTnLst>
+                    </p:cTn>
+                  </p:par>
+                </p:childTnLst>
+              </p:cTn>
+              <p:prevCondLst>
+                <p:cond evt="onPrev" delay="0">
+                  <p:tgtEl>
+                    <p:sldTgt/>
+                  </p:tgtEl>
+                </p:cond>
+              </p:prevCondLst>
+              <p:nextCondLst>
+                <p:cond evt="onNext" delay="0">
+                  <p:tgtEl>
+                    <p:sldTgt/>
+                  </p:tgtEl>
+                </p:cond>
+              </p:nextCondLst>
+            </p:seq>
+          </p:childTnLst>
+        </p:cTn>
+      </p:par>
+    </p:tnLst>
+  </p:timing>
 </p:sld>
 </file>
 
-<file path=ppt/slides/slide15.xml><?xml version="1.0" encoding="utf-8"?>
+<file path=ppt/slides/slide14.xml><?xml version="1.0" encoding="utf-8"?>
 <p:sld xmlns:a="http://schemas.openxmlformats.org/drawingml/2006/main" xmlns:r="http://schemas.openxmlformats.org/officeDocument/2006/relationships" xmlns:p="http://schemas.openxmlformats.org/presentationml/2006/main">
   <p:cSld>
     <p:spTree>
@@ -4861,7 +5000,7 @@
 </p:sld>
 </file>
 
-<file path=ppt/slides/slide16.xml><?xml version="1.0" encoding="utf-8"?>
+<file path=ppt/slides/slide15.xml><?xml version="1.0" encoding="utf-8"?>
 <p:sld xmlns:a="http://schemas.openxmlformats.org/drawingml/2006/main" xmlns:r="http://schemas.openxmlformats.org/officeDocument/2006/relationships" xmlns:p="http://schemas.openxmlformats.org/presentationml/2006/main">
   <p:cSld>
     <p:spTree>
@@ -4906,7 +5045,7 @@
         </p:blipFill>
         <p:spPr>
           <a:xfrm>
-            <a:off x="152843" y="178981"/>
+            <a:off x="144000" y="360000"/>
             <a:ext cx="3600000" cy="2880000"/>
           </a:xfrm>
           <a:prstGeom prst="rect">
@@ -4942,7 +5081,7 @@
         </p:blipFill>
         <p:spPr>
           <a:xfrm>
-            <a:off x="152843" y="3231108"/>
+            <a:off x="144000" y="3600000"/>
             <a:ext cx="3600000" cy="2880000"/>
           </a:xfrm>
           <a:prstGeom prst="rect">
@@ -4985,7 +5124,7 @@
         </p:blipFill>
         <p:spPr>
           <a:xfrm>
-            <a:off x="0" y="6854"/>
+            <a:off x="0" y="0"/>
             <a:ext cx="12192000" cy="6844292"/>
           </a:xfrm>
           <a:prstGeom prst="rect">
@@ -5003,10 +5142,93 @@
   <p:clrMapOvr>
     <a:masterClrMapping/>
   </p:clrMapOvr>
+  <p:timing>
+    <p:tnLst>
+      <p:par>
+        <p:cTn id="1" dur="indefinite" restart="never" nodeType="tmRoot">
+          <p:childTnLst>
+            <p:seq concurrent="1" nextAc="seek">
+              <p:cTn id="2" dur="indefinite" nodeType="mainSeq">
+                <p:childTnLst>
+                  <p:par>
+                    <p:cTn id="3" fill="hold">
+                      <p:stCondLst>
+                        <p:cond delay="indefinite"/>
+                      </p:stCondLst>
+                      <p:childTnLst>
+                        <p:par>
+                          <p:cTn id="4" fill="hold">
+                            <p:stCondLst>
+                              <p:cond delay="0"/>
+                            </p:stCondLst>
+                            <p:childTnLst>
+                              <p:par>
+                                <p:cTn id="5" presetID="10" presetClass="exit" presetSubtype="0" fill="hold" nodeType="clickEffect">
+                                  <p:stCondLst>
+                                    <p:cond delay="0"/>
+                                  </p:stCondLst>
+                                  <p:childTnLst>
+                                    <p:animEffect transition="out" filter="fade">
+                                      <p:cBhvr>
+                                        <p:cTn id="6" dur="500"/>
+                                        <p:tgtEl>
+                                          <p:spTgt spid="3"/>
+                                        </p:tgtEl>
+                                      </p:cBhvr>
+                                    </p:animEffect>
+                                    <p:set>
+                                      <p:cBhvr>
+                                        <p:cTn id="7" dur="1" fill="hold">
+                                          <p:stCondLst>
+                                            <p:cond delay="499"/>
+                                          </p:stCondLst>
+                                        </p:cTn>
+                                        <p:tgtEl>
+                                          <p:spTgt spid="3"/>
+                                        </p:tgtEl>
+                                        <p:attrNameLst>
+                                          <p:attrName>style.visibility</p:attrName>
+                                        </p:attrNameLst>
+                                      </p:cBhvr>
+                                      <p:to>
+                                        <p:strVal val="hidden"/>
+                                      </p:to>
+                                    </p:set>
+                                  </p:childTnLst>
+                                </p:cTn>
+                              </p:par>
+                            </p:childTnLst>
+                          </p:cTn>
+                        </p:par>
+                      </p:childTnLst>
+                    </p:cTn>
+                  </p:par>
+                </p:childTnLst>
+              </p:cTn>
+              <p:prevCondLst>
+                <p:cond evt="onPrev" delay="0">
+                  <p:tgtEl>
+                    <p:sldTgt/>
+                  </p:tgtEl>
+                </p:cond>
+              </p:prevCondLst>
+              <p:nextCondLst>
+                <p:cond evt="onNext" delay="0">
+                  <p:tgtEl>
+                    <p:sldTgt/>
+                  </p:tgtEl>
+                </p:cond>
+              </p:nextCondLst>
+            </p:seq>
+          </p:childTnLst>
+        </p:cTn>
+      </p:par>
+    </p:tnLst>
+  </p:timing>
 </p:sld>
 </file>
 
-<file path=ppt/slides/slide17.xml><?xml version="1.0" encoding="utf-8"?>
+<file path=ppt/slides/slide16.xml><?xml version="1.0" encoding="utf-8"?>
 <p:sld xmlns:a="http://schemas.openxmlformats.org/drawingml/2006/main" xmlns:r="http://schemas.openxmlformats.org/officeDocument/2006/relationships" xmlns:p="http://schemas.openxmlformats.org/presentationml/2006/main">
   <p:cSld>
     <p:bg>
@@ -5207,7 +5429,7 @@
 </p:sld>
 </file>
 
-<file path=ppt/slides/slide18.xml><?xml version="1.0" encoding="utf-8"?>
+<file path=ppt/slides/slide17.xml><?xml version="1.0" encoding="utf-8"?>
 <p:sld xmlns:a="http://schemas.openxmlformats.org/drawingml/2006/main" xmlns:r="http://schemas.openxmlformats.org/officeDocument/2006/relationships" xmlns:p="http://schemas.openxmlformats.org/presentationml/2006/main">
   <p:cSld>
     <p:spTree>
@@ -5316,10 +5538,93 @@
   <p:clrMapOvr>
     <a:masterClrMapping/>
   </p:clrMapOvr>
+  <p:timing>
+    <p:tnLst>
+      <p:par>
+        <p:cTn id="1" dur="indefinite" restart="never" nodeType="tmRoot">
+          <p:childTnLst>
+            <p:seq concurrent="1" nextAc="seek">
+              <p:cTn id="2" dur="indefinite" nodeType="mainSeq">
+                <p:childTnLst>
+                  <p:par>
+                    <p:cTn id="3" fill="hold">
+                      <p:stCondLst>
+                        <p:cond delay="indefinite"/>
+                      </p:stCondLst>
+                      <p:childTnLst>
+                        <p:par>
+                          <p:cTn id="4" fill="hold">
+                            <p:stCondLst>
+                              <p:cond delay="0"/>
+                            </p:stCondLst>
+                            <p:childTnLst>
+                              <p:par>
+                                <p:cTn id="5" presetID="10" presetClass="exit" presetSubtype="0" fill="hold" nodeType="clickEffect">
+                                  <p:stCondLst>
+                                    <p:cond delay="0"/>
+                                  </p:stCondLst>
+                                  <p:childTnLst>
+                                    <p:animEffect transition="out" filter="fade">
+                                      <p:cBhvr>
+                                        <p:cTn id="6" dur="500"/>
+                                        <p:tgtEl>
+                                          <p:spTgt spid="3"/>
+                                        </p:tgtEl>
+                                      </p:cBhvr>
+                                    </p:animEffect>
+                                    <p:set>
+                                      <p:cBhvr>
+                                        <p:cTn id="7" dur="1" fill="hold">
+                                          <p:stCondLst>
+                                            <p:cond delay="499"/>
+                                          </p:stCondLst>
+                                        </p:cTn>
+                                        <p:tgtEl>
+                                          <p:spTgt spid="3"/>
+                                        </p:tgtEl>
+                                        <p:attrNameLst>
+                                          <p:attrName>style.visibility</p:attrName>
+                                        </p:attrNameLst>
+                                      </p:cBhvr>
+                                      <p:to>
+                                        <p:strVal val="hidden"/>
+                                      </p:to>
+                                    </p:set>
+                                  </p:childTnLst>
+                                </p:cTn>
+                              </p:par>
+                            </p:childTnLst>
+                          </p:cTn>
+                        </p:par>
+                      </p:childTnLst>
+                    </p:cTn>
+                  </p:par>
+                </p:childTnLst>
+              </p:cTn>
+              <p:prevCondLst>
+                <p:cond evt="onPrev" delay="0">
+                  <p:tgtEl>
+                    <p:sldTgt/>
+                  </p:tgtEl>
+                </p:cond>
+              </p:prevCondLst>
+              <p:nextCondLst>
+                <p:cond evt="onNext" delay="0">
+                  <p:tgtEl>
+                    <p:sldTgt/>
+                  </p:tgtEl>
+                </p:cond>
+              </p:nextCondLst>
+            </p:seq>
+          </p:childTnLst>
+        </p:cTn>
+      </p:par>
+    </p:tnLst>
+  </p:timing>
 </p:sld>
 </file>
 
-<file path=ppt/slides/slide19.xml><?xml version="1.0" encoding="utf-8"?>
+<file path=ppt/slides/slide18.xml><?xml version="1.0" encoding="utf-8"?>
 <p:sld xmlns:a="http://schemas.openxmlformats.org/drawingml/2006/main" xmlns:r="http://schemas.openxmlformats.org/officeDocument/2006/relationships" xmlns:p="http://schemas.openxmlformats.org/presentationml/2006/main">
   <p:cSld>
     <p:spTree>
@@ -5419,361 +5724,93 @@
   <p:clrMapOvr>
     <a:masterClrMapping/>
   </p:clrMapOvr>
+  <p:timing>
+    <p:tnLst>
+      <p:par>
+        <p:cTn id="1" dur="indefinite" restart="never" nodeType="tmRoot">
+          <p:childTnLst>
+            <p:seq concurrent="1" nextAc="seek">
+              <p:cTn id="2" dur="indefinite" nodeType="mainSeq">
+                <p:childTnLst>
+                  <p:par>
+                    <p:cTn id="3" fill="hold">
+                      <p:stCondLst>
+                        <p:cond delay="indefinite"/>
+                      </p:stCondLst>
+                      <p:childTnLst>
+                        <p:par>
+                          <p:cTn id="4" fill="hold">
+                            <p:stCondLst>
+                              <p:cond delay="0"/>
+                            </p:stCondLst>
+                            <p:childTnLst>
+                              <p:par>
+                                <p:cTn id="5" presetID="10" presetClass="exit" presetSubtype="0" fill="hold" nodeType="clickEffect">
+                                  <p:stCondLst>
+                                    <p:cond delay="0"/>
+                                  </p:stCondLst>
+                                  <p:childTnLst>
+                                    <p:animEffect transition="out" filter="fade">
+                                      <p:cBhvr>
+                                        <p:cTn id="6" dur="500"/>
+                                        <p:tgtEl>
+                                          <p:spTgt spid="3"/>
+                                        </p:tgtEl>
+                                      </p:cBhvr>
+                                    </p:animEffect>
+                                    <p:set>
+                                      <p:cBhvr>
+                                        <p:cTn id="7" dur="1" fill="hold">
+                                          <p:stCondLst>
+                                            <p:cond delay="499"/>
+                                          </p:stCondLst>
+                                        </p:cTn>
+                                        <p:tgtEl>
+                                          <p:spTgt spid="3"/>
+                                        </p:tgtEl>
+                                        <p:attrNameLst>
+                                          <p:attrName>style.visibility</p:attrName>
+                                        </p:attrNameLst>
+                                      </p:cBhvr>
+                                      <p:to>
+                                        <p:strVal val="hidden"/>
+                                      </p:to>
+                                    </p:set>
+                                  </p:childTnLst>
+                                </p:cTn>
+                              </p:par>
+                            </p:childTnLst>
+                          </p:cTn>
+                        </p:par>
+                      </p:childTnLst>
+                    </p:cTn>
+                  </p:par>
+                </p:childTnLst>
+              </p:cTn>
+              <p:prevCondLst>
+                <p:cond evt="onPrev" delay="0">
+                  <p:tgtEl>
+                    <p:sldTgt/>
+                  </p:tgtEl>
+                </p:cond>
+              </p:prevCondLst>
+              <p:nextCondLst>
+                <p:cond evt="onNext" delay="0">
+                  <p:tgtEl>
+                    <p:sldTgt/>
+                  </p:tgtEl>
+                </p:cond>
+              </p:nextCondLst>
+            </p:seq>
+          </p:childTnLst>
+        </p:cTn>
+      </p:par>
+    </p:tnLst>
+  </p:timing>
 </p:sld>
 </file>
 
-<file path=ppt/slides/slide2.xml><?xml version="1.0" encoding="utf-8"?>
-<p:sld xmlns:a="http://schemas.openxmlformats.org/drawingml/2006/main" xmlns:r="http://schemas.openxmlformats.org/officeDocument/2006/relationships" xmlns:p="http://schemas.openxmlformats.org/presentationml/2006/main">
-  <p:cSld>
-    <p:bg>
-      <p:bgPr>
-        <a:solidFill>
-          <a:srgbClr val="4960A6"/>
-        </a:solidFill>
-        <a:effectLst/>
-      </p:bgPr>
-    </p:bg>
-    <p:spTree>
-      <p:nvGrpSpPr>
-        <p:cNvPr id="1" name=""/>
-        <p:cNvGrpSpPr/>
-        <p:nvPr/>
-      </p:nvGrpSpPr>
-      <p:grpSpPr>
-        <a:xfrm>
-          <a:off x="0" y="0"/>
-          <a:ext cx="0" cy="0"/>
-          <a:chOff x="0" y="0"/>
-          <a:chExt cx="0" cy="0"/>
-        </a:xfrm>
-      </p:grpSpPr>
-      <p:cxnSp>
-        <p:nvCxnSpPr>
-          <p:cNvPr id="7" name="Straight Connector 6">
-            <a:extLst>
-              <a:ext uri="{FF2B5EF4-FFF2-40B4-BE49-F238E27FC236}">
-                <a16:creationId xmlns:a16="http://schemas.microsoft.com/office/drawing/2014/main" id="{8CED2307-F79F-42F9-B81B-91F768E72BFC}"/>
-              </a:ext>
-              <a:ext uri="{C183D7F6-B498-43B3-948B-1728B52AA6E4}">
-                <adec:decorative xmlns:adec="http://schemas.microsoft.com/office/drawing/2017/decorative" val="1"/>
-              </a:ext>
-            </a:extLst>
-          </p:cNvPr>
-          <p:cNvCxnSpPr>
-            <a:cxnSpLocks noGrp="1" noRot="1" noChangeAspect="1" noMove="1" noResize="1" noEditPoints="1" noAdjustHandles="1" noChangeArrowheads="1" noChangeShapeType="1"/>
-          </p:cNvCxnSpPr>
-          <p:nvPr>
-            <p:extLst>
-              <p:ext uri="{386F3935-93C4-4BCD-93E2-E3B085C9AB24}">
-                <p16:designElem xmlns:p16="http://schemas.microsoft.com/office/powerpoint/2015/main" val="1"/>
-              </p:ext>
-            </p:extLst>
-          </p:nvPr>
-        </p:nvCxnSpPr>
-        <p:spPr>
-          <a:xfrm flipV="1">
-            <a:off x="8386842" y="5264106"/>
-            <a:ext cx="0" cy="914400"/>
-          </a:xfrm>
-          <a:prstGeom prst="line">
-            <a:avLst/>
-          </a:prstGeom>
-          <a:ln w="19050">
-            <a:solidFill>
-              <a:schemeClr val="accent2"/>
-            </a:solidFill>
-          </a:ln>
-        </p:spPr>
-        <p:style>
-          <a:lnRef idx="1">
-            <a:schemeClr val="accent1"/>
-          </a:lnRef>
-          <a:fillRef idx="0">
-            <a:schemeClr val="accent1"/>
-          </a:fillRef>
-          <a:effectRef idx="0">
-            <a:schemeClr val="accent1"/>
-          </a:effectRef>
-          <a:fontRef idx="minor">
-            <a:schemeClr val="tx1"/>
-          </a:fontRef>
-        </p:style>
-      </p:cxnSp>
-      <p:sp>
-        <p:nvSpPr>
-          <p:cNvPr id="9" name="Rectangle 8">
-            <a:extLst>
-              <a:ext uri="{FF2B5EF4-FFF2-40B4-BE49-F238E27FC236}">
-                <a16:creationId xmlns:a16="http://schemas.microsoft.com/office/drawing/2014/main" id="{E5DB38FF-CE38-4D82-B9F2-DFE28A0194E1}"/>
-              </a:ext>
-              <a:ext uri="{C183D7F6-B498-43B3-948B-1728B52AA6E4}">
-                <adec:decorative xmlns:adec="http://schemas.microsoft.com/office/drawing/2017/decorative" val="1"/>
-              </a:ext>
-            </a:extLst>
-          </p:cNvPr>
-          <p:cNvSpPr>
-            <a:spLocks noGrp="1" noRot="1" noChangeAspect="1" noMove="1" noResize="1" noEditPoints="1" noAdjustHandles="1" noChangeArrowheads="1" noChangeShapeType="1" noTextEdit="1"/>
-          </p:cNvSpPr>
-          <p:nvPr>
-            <p:extLst>
-              <p:ext uri="{386F3935-93C4-4BCD-93E2-E3B085C9AB24}">
-                <p16:designElem xmlns:p16="http://schemas.microsoft.com/office/powerpoint/2015/main" val="1"/>
-              </p:ext>
-            </p:extLst>
-          </p:nvPr>
-        </p:nvSpPr>
-        <p:spPr>
-          <a:xfrm>
-            <a:off x="0" y="-1"/>
-            <a:ext cx="12192000" cy="4572001"/>
-          </a:xfrm>
-          <a:prstGeom prst="rect">
-            <a:avLst/>
-          </a:prstGeom>
-          <a:solidFill>
-            <a:schemeClr val="accent2"/>
-          </a:solidFill>
-          <a:ln>
-            <a:noFill/>
-          </a:ln>
-        </p:spPr>
-        <p:style>
-          <a:lnRef idx="2">
-            <a:schemeClr val="accent1">
-              <a:shade val="50000"/>
-            </a:schemeClr>
-          </a:lnRef>
-          <a:fillRef idx="1">
-            <a:schemeClr val="accent1"/>
-          </a:fillRef>
-          <a:effectRef idx="0">
-            <a:schemeClr val="accent1"/>
-          </a:effectRef>
-          <a:fontRef idx="minor">
-            <a:schemeClr val="lt1"/>
-          </a:fontRef>
-        </p:style>
-      </p:sp>
-      <p:sp useBgFill="1">
-        <p:nvSpPr>
-          <p:cNvPr id="11" name="Rectangle 10">
-            <a:extLst>
-              <a:ext uri="{FF2B5EF4-FFF2-40B4-BE49-F238E27FC236}">
-                <a16:creationId xmlns:a16="http://schemas.microsoft.com/office/drawing/2014/main" id="{0BA28970-3E8F-46CD-A302-42EE83668B0A}"/>
-              </a:ext>
-              <a:ext uri="{C183D7F6-B498-43B3-948B-1728B52AA6E4}">
-                <adec:decorative xmlns:adec="http://schemas.microsoft.com/office/drawing/2017/decorative" val="1"/>
-              </a:ext>
-            </a:extLst>
-          </p:cNvPr>
-          <p:cNvSpPr>
-            <a:spLocks noGrp="1" noRot="1" noChangeAspect="1" noMove="1" noResize="1" noEditPoints="1" noAdjustHandles="1" noChangeArrowheads="1" noChangeShapeType="1" noTextEdit="1"/>
-          </p:cNvSpPr>
-          <p:nvPr>
-            <p:extLst>
-              <p:ext uri="{386F3935-93C4-4BCD-93E2-E3B085C9AB24}">
-                <p16:designElem xmlns:p16="http://schemas.microsoft.com/office/powerpoint/2015/main" val="1"/>
-              </p:ext>
-            </p:extLst>
-          </p:nvPr>
-        </p:nvSpPr>
-        <p:spPr>
-          <a:xfrm>
-            <a:off x="0" y="0"/>
-            <a:ext cx="12192000" cy="6858000"/>
-          </a:xfrm>
-          <a:prstGeom prst="rect">
-            <a:avLst/>
-          </a:prstGeom>
-          <a:ln>
-            <a:noFill/>
-          </a:ln>
-        </p:spPr>
-        <p:style>
-          <a:lnRef idx="2">
-            <a:schemeClr val="accent1">
-              <a:shade val="50000"/>
-            </a:schemeClr>
-          </a:lnRef>
-          <a:fillRef idx="1">
-            <a:schemeClr val="accent1"/>
-          </a:fillRef>
-          <a:effectRef idx="0">
-            <a:schemeClr val="accent1"/>
-          </a:effectRef>
-          <a:fontRef idx="minor">
-            <a:schemeClr val="lt1"/>
-          </a:fontRef>
-        </p:style>
-        <p:txBody>
-          <a:bodyPr rtlCol="0" anchor="ctr"/>
-          <a:lstStyle/>
-          <a:p>
-            <a:pPr algn="ctr"/>
-            <a:endParaRPr lang="en-US"/>
-          </a:p>
-        </p:txBody>
-      </p:sp>
-      <p:sp>
-        <p:nvSpPr>
-          <p:cNvPr id="2" name="Titel 1">
-            <a:extLst>
-              <a:ext uri="{FF2B5EF4-FFF2-40B4-BE49-F238E27FC236}">
-                <a16:creationId xmlns:a16="http://schemas.microsoft.com/office/drawing/2014/main" id="{9EE936F0-62E4-40F1-BA06-11DDD134B512}"/>
-              </a:ext>
-            </a:extLst>
-          </p:cNvPr>
-          <p:cNvSpPr>
-            <a:spLocks noGrp="1"/>
-          </p:cNvSpPr>
-          <p:nvPr>
-            <p:ph type="title" idx="4294967295"/>
-          </p:nvPr>
-        </p:nvSpPr>
-        <p:spPr>
-          <a:xfrm>
-            <a:off x="643467" y="643467"/>
-            <a:ext cx="7164674" cy="5571066"/>
-          </a:xfrm>
-        </p:spPr>
-        <p:txBody>
-          <a:bodyPr vert="horz" lIns="91440" tIns="45720" rIns="91440" bIns="45720" rtlCol="0" anchor="ctr">
-            <a:normAutofit/>
-          </a:bodyPr>
-          <a:lstStyle/>
-          <a:p>
-            <a:pPr algn="r"/>
-            <a:r>
-              <a:rPr lang="en-US" sz="6600" spc="200" dirty="0" err="1">
-                <a:solidFill>
-                  <a:schemeClr val="tx1">
-                    <a:alpha val="80000"/>
-                  </a:schemeClr>
-                </a:solidFill>
-              </a:rPr>
-              <a:t>Wer</a:t>
-            </a:r>
-            <a:r>
-              <a:rPr lang="en-US" sz="6600" spc="200" dirty="0">
-                <a:solidFill>
-                  <a:schemeClr val="tx1">
-                    <a:alpha val="80000"/>
-                  </a:schemeClr>
-                </a:solidFill>
-              </a:rPr>
-              <a:t> </a:t>
-            </a:r>
-            <a:r>
-              <a:rPr lang="en-US" sz="6600" spc="200" dirty="0" err="1">
-                <a:solidFill>
-                  <a:schemeClr val="tx1">
-                    <a:alpha val="80000"/>
-                  </a:schemeClr>
-                </a:solidFill>
-              </a:rPr>
-              <a:t>sind</a:t>
-            </a:r>
-            <a:r>
-              <a:rPr lang="en-US" sz="6600" spc="200" dirty="0">
-                <a:solidFill>
-                  <a:schemeClr val="tx1">
-                    <a:alpha val="80000"/>
-                  </a:schemeClr>
-                </a:solidFill>
-              </a:rPr>
-              <a:t> </a:t>
-            </a:r>
-            <a:r>
-              <a:rPr lang="en-US" sz="6600" spc="200" dirty="0" err="1">
-                <a:solidFill>
-                  <a:schemeClr val="tx1">
-                    <a:alpha val="80000"/>
-                  </a:schemeClr>
-                </a:solidFill>
-              </a:rPr>
-              <a:t>wir</a:t>
-            </a:r>
-            <a:r>
-              <a:rPr lang="en-US" sz="6600" spc="200" dirty="0">
-                <a:solidFill>
-                  <a:schemeClr val="tx1">
-                    <a:alpha val="80000"/>
-                  </a:schemeClr>
-                </a:solidFill>
-              </a:rPr>
-              <a:t>?</a:t>
-            </a:r>
-          </a:p>
-        </p:txBody>
-      </p:sp>
-      <p:cxnSp>
-        <p:nvCxnSpPr>
-          <p:cNvPr id="13" name="Straight Connector 12">
-            <a:extLst>
-              <a:ext uri="{FF2B5EF4-FFF2-40B4-BE49-F238E27FC236}">
-                <a16:creationId xmlns:a16="http://schemas.microsoft.com/office/drawing/2014/main" id="{47AE7893-212D-45CB-A5B0-AE377389AB3F}"/>
-              </a:ext>
-              <a:ext uri="{C183D7F6-B498-43B3-948B-1728B52AA6E4}">
-                <adec:decorative xmlns:adec="http://schemas.microsoft.com/office/drawing/2017/decorative" val="1"/>
-              </a:ext>
-            </a:extLst>
-          </p:cNvPr>
-          <p:cNvCxnSpPr>
-            <a:cxnSpLocks noGrp="1" noRot="1" noChangeAspect="1" noMove="1" noResize="1" noEditPoints="1" noAdjustHandles="1" noChangeArrowheads="1" noChangeShapeType="1"/>
-          </p:cNvCxnSpPr>
-          <p:nvPr>
-            <p:extLst>
-              <p:ext uri="{386F3935-93C4-4BCD-93E2-E3B085C9AB24}">
-                <p16:designElem xmlns:p16="http://schemas.microsoft.com/office/powerpoint/2015/main" val="1"/>
-              </p:ext>
-            </p:extLst>
-          </p:nvPr>
-        </p:nvCxnSpPr>
-        <p:spPr>
-          <a:xfrm>
-            <a:off x="8139605" y="1600200"/>
-            <a:ext cx="0" cy="3657600"/>
-          </a:xfrm>
-          <a:prstGeom prst="line">
-            <a:avLst/>
-          </a:prstGeom>
-          <a:ln w="19050">
-            <a:solidFill>
-              <a:schemeClr val="accent1">
-                <a:lumMod val="75000"/>
-              </a:schemeClr>
-            </a:solidFill>
-          </a:ln>
-        </p:spPr>
-        <p:style>
-          <a:lnRef idx="1">
-            <a:schemeClr val="accent1"/>
-          </a:lnRef>
-          <a:fillRef idx="0">
-            <a:schemeClr val="accent1"/>
-          </a:fillRef>
-          <a:effectRef idx="0">
-            <a:schemeClr val="accent1"/>
-          </a:effectRef>
-          <a:fontRef idx="minor">
-            <a:schemeClr val="tx1"/>
-          </a:fontRef>
-        </p:style>
-      </p:cxnSp>
-    </p:spTree>
-    <p:extLst>
-      <p:ext uri="{BB962C8B-B14F-4D97-AF65-F5344CB8AC3E}">
-        <p14:creationId xmlns:p14="http://schemas.microsoft.com/office/powerpoint/2010/main" val="2522807781"/>
-      </p:ext>
-    </p:extLst>
-  </p:cSld>
-  <p:clrMapOvr>
-    <a:masterClrMapping/>
-  </p:clrMapOvr>
-</p:sld>
-</file>
-
-<file path=ppt/slides/slide20.xml><?xml version="1.0" encoding="utf-8"?>
+<file path=ppt/slides/slide19.xml><?xml version="1.0" encoding="utf-8"?>
 <p:sld xmlns:a="http://schemas.openxmlformats.org/drawingml/2006/main" xmlns:r="http://schemas.openxmlformats.org/officeDocument/2006/relationships" xmlns:p="http://schemas.openxmlformats.org/presentationml/2006/main">
   <p:cSld>
     <p:bg>
@@ -6131,7 +6168,358 @@
 </p:sld>
 </file>
 
-<file path=ppt/slides/slide21.xml><?xml version="1.0" encoding="utf-8"?>
+<file path=ppt/slides/slide2.xml><?xml version="1.0" encoding="utf-8"?>
+<p:sld xmlns:a="http://schemas.openxmlformats.org/drawingml/2006/main" xmlns:r="http://schemas.openxmlformats.org/officeDocument/2006/relationships" xmlns:p="http://schemas.openxmlformats.org/presentationml/2006/main">
+  <p:cSld>
+    <p:bg>
+      <p:bgPr>
+        <a:solidFill>
+          <a:srgbClr val="4960A6"/>
+        </a:solidFill>
+        <a:effectLst/>
+      </p:bgPr>
+    </p:bg>
+    <p:spTree>
+      <p:nvGrpSpPr>
+        <p:cNvPr id="1" name=""/>
+        <p:cNvGrpSpPr/>
+        <p:nvPr/>
+      </p:nvGrpSpPr>
+      <p:grpSpPr>
+        <a:xfrm>
+          <a:off x="0" y="0"/>
+          <a:ext cx="0" cy="0"/>
+          <a:chOff x="0" y="0"/>
+          <a:chExt cx="0" cy="0"/>
+        </a:xfrm>
+      </p:grpSpPr>
+      <p:cxnSp>
+        <p:nvCxnSpPr>
+          <p:cNvPr id="7" name="Straight Connector 6">
+            <a:extLst>
+              <a:ext uri="{FF2B5EF4-FFF2-40B4-BE49-F238E27FC236}">
+                <a16:creationId xmlns:a16="http://schemas.microsoft.com/office/drawing/2014/main" id="{8CED2307-F79F-42F9-B81B-91F768E72BFC}"/>
+              </a:ext>
+              <a:ext uri="{C183D7F6-B498-43B3-948B-1728B52AA6E4}">
+                <adec:decorative xmlns:adec="http://schemas.microsoft.com/office/drawing/2017/decorative" val="1"/>
+              </a:ext>
+            </a:extLst>
+          </p:cNvPr>
+          <p:cNvCxnSpPr>
+            <a:cxnSpLocks noGrp="1" noRot="1" noChangeAspect="1" noMove="1" noResize="1" noEditPoints="1" noAdjustHandles="1" noChangeArrowheads="1" noChangeShapeType="1"/>
+          </p:cNvCxnSpPr>
+          <p:nvPr>
+            <p:extLst>
+              <p:ext uri="{386F3935-93C4-4BCD-93E2-E3B085C9AB24}">
+                <p16:designElem xmlns:p16="http://schemas.microsoft.com/office/powerpoint/2015/main" val="1"/>
+              </p:ext>
+            </p:extLst>
+          </p:nvPr>
+        </p:nvCxnSpPr>
+        <p:spPr>
+          <a:xfrm flipV="1">
+            <a:off x="8386842" y="5264106"/>
+            <a:ext cx="0" cy="914400"/>
+          </a:xfrm>
+          <a:prstGeom prst="line">
+            <a:avLst/>
+          </a:prstGeom>
+          <a:ln w="19050">
+            <a:solidFill>
+              <a:schemeClr val="accent2"/>
+            </a:solidFill>
+          </a:ln>
+        </p:spPr>
+        <p:style>
+          <a:lnRef idx="1">
+            <a:schemeClr val="accent1"/>
+          </a:lnRef>
+          <a:fillRef idx="0">
+            <a:schemeClr val="accent1"/>
+          </a:fillRef>
+          <a:effectRef idx="0">
+            <a:schemeClr val="accent1"/>
+          </a:effectRef>
+          <a:fontRef idx="minor">
+            <a:schemeClr val="tx1"/>
+          </a:fontRef>
+        </p:style>
+      </p:cxnSp>
+      <p:sp>
+        <p:nvSpPr>
+          <p:cNvPr id="9" name="Rectangle 8">
+            <a:extLst>
+              <a:ext uri="{FF2B5EF4-FFF2-40B4-BE49-F238E27FC236}">
+                <a16:creationId xmlns:a16="http://schemas.microsoft.com/office/drawing/2014/main" id="{E5DB38FF-CE38-4D82-B9F2-DFE28A0194E1}"/>
+              </a:ext>
+              <a:ext uri="{C183D7F6-B498-43B3-948B-1728B52AA6E4}">
+                <adec:decorative xmlns:adec="http://schemas.microsoft.com/office/drawing/2017/decorative" val="1"/>
+              </a:ext>
+            </a:extLst>
+          </p:cNvPr>
+          <p:cNvSpPr>
+            <a:spLocks noGrp="1" noRot="1" noChangeAspect="1" noMove="1" noResize="1" noEditPoints="1" noAdjustHandles="1" noChangeArrowheads="1" noChangeShapeType="1" noTextEdit="1"/>
+          </p:cNvSpPr>
+          <p:nvPr>
+            <p:extLst>
+              <p:ext uri="{386F3935-93C4-4BCD-93E2-E3B085C9AB24}">
+                <p16:designElem xmlns:p16="http://schemas.microsoft.com/office/powerpoint/2015/main" val="1"/>
+              </p:ext>
+            </p:extLst>
+          </p:nvPr>
+        </p:nvSpPr>
+        <p:spPr>
+          <a:xfrm>
+            <a:off x="0" y="-1"/>
+            <a:ext cx="12192000" cy="4572001"/>
+          </a:xfrm>
+          <a:prstGeom prst="rect">
+            <a:avLst/>
+          </a:prstGeom>
+          <a:solidFill>
+            <a:schemeClr val="accent2"/>
+          </a:solidFill>
+          <a:ln>
+            <a:noFill/>
+          </a:ln>
+        </p:spPr>
+        <p:style>
+          <a:lnRef idx="2">
+            <a:schemeClr val="accent1">
+              <a:shade val="50000"/>
+            </a:schemeClr>
+          </a:lnRef>
+          <a:fillRef idx="1">
+            <a:schemeClr val="accent1"/>
+          </a:fillRef>
+          <a:effectRef idx="0">
+            <a:schemeClr val="accent1"/>
+          </a:effectRef>
+          <a:fontRef idx="minor">
+            <a:schemeClr val="lt1"/>
+          </a:fontRef>
+        </p:style>
+      </p:sp>
+      <p:sp useBgFill="1">
+        <p:nvSpPr>
+          <p:cNvPr id="11" name="Rectangle 10">
+            <a:extLst>
+              <a:ext uri="{FF2B5EF4-FFF2-40B4-BE49-F238E27FC236}">
+                <a16:creationId xmlns:a16="http://schemas.microsoft.com/office/drawing/2014/main" id="{0BA28970-3E8F-46CD-A302-42EE83668B0A}"/>
+              </a:ext>
+              <a:ext uri="{C183D7F6-B498-43B3-948B-1728B52AA6E4}">
+                <adec:decorative xmlns:adec="http://schemas.microsoft.com/office/drawing/2017/decorative" val="1"/>
+              </a:ext>
+            </a:extLst>
+          </p:cNvPr>
+          <p:cNvSpPr>
+            <a:spLocks noGrp="1" noRot="1" noChangeAspect="1" noMove="1" noResize="1" noEditPoints="1" noAdjustHandles="1" noChangeArrowheads="1" noChangeShapeType="1" noTextEdit="1"/>
+          </p:cNvSpPr>
+          <p:nvPr>
+            <p:extLst>
+              <p:ext uri="{386F3935-93C4-4BCD-93E2-E3B085C9AB24}">
+                <p16:designElem xmlns:p16="http://schemas.microsoft.com/office/powerpoint/2015/main" val="1"/>
+              </p:ext>
+            </p:extLst>
+          </p:nvPr>
+        </p:nvSpPr>
+        <p:spPr>
+          <a:xfrm>
+            <a:off x="0" y="0"/>
+            <a:ext cx="12192000" cy="6858000"/>
+          </a:xfrm>
+          <a:prstGeom prst="rect">
+            <a:avLst/>
+          </a:prstGeom>
+          <a:ln>
+            <a:noFill/>
+          </a:ln>
+        </p:spPr>
+        <p:style>
+          <a:lnRef idx="2">
+            <a:schemeClr val="accent1">
+              <a:shade val="50000"/>
+            </a:schemeClr>
+          </a:lnRef>
+          <a:fillRef idx="1">
+            <a:schemeClr val="accent1"/>
+          </a:fillRef>
+          <a:effectRef idx="0">
+            <a:schemeClr val="accent1"/>
+          </a:effectRef>
+          <a:fontRef idx="minor">
+            <a:schemeClr val="lt1"/>
+          </a:fontRef>
+        </p:style>
+        <p:txBody>
+          <a:bodyPr rtlCol="0" anchor="ctr"/>
+          <a:lstStyle/>
+          <a:p>
+            <a:pPr algn="ctr"/>
+            <a:endParaRPr lang="en-US"/>
+          </a:p>
+        </p:txBody>
+      </p:sp>
+      <p:sp>
+        <p:nvSpPr>
+          <p:cNvPr id="2" name="Titel 1">
+            <a:extLst>
+              <a:ext uri="{FF2B5EF4-FFF2-40B4-BE49-F238E27FC236}">
+                <a16:creationId xmlns:a16="http://schemas.microsoft.com/office/drawing/2014/main" id="{9EE936F0-62E4-40F1-BA06-11DDD134B512}"/>
+              </a:ext>
+            </a:extLst>
+          </p:cNvPr>
+          <p:cNvSpPr>
+            <a:spLocks noGrp="1"/>
+          </p:cNvSpPr>
+          <p:nvPr>
+            <p:ph type="title" idx="4294967295"/>
+          </p:nvPr>
+        </p:nvSpPr>
+        <p:spPr>
+          <a:xfrm>
+            <a:off x="643467" y="643467"/>
+            <a:ext cx="7164674" cy="5571066"/>
+          </a:xfrm>
+        </p:spPr>
+        <p:txBody>
+          <a:bodyPr vert="horz" lIns="91440" tIns="45720" rIns="91440" bIns="45720" rtlCol="0" anchor="ctr">
+            <a:normAutofit/>
+          </a:bodyPr>
+          <a:lstStyle/>
+          <a:p>
+            <a:pPr algn="r"/>
+            <a:r>
+              <a:rPr lang="en-US" sz="6600" spc="200" dirty="0" err="1">
+                <a:solidFill>
+                  <a:schemeClr val="tx1">
+                    <a:alpha val="80000"/>
+                  </a:schemeClr>
+                </a:solidFill>
+              </a:rPr>
+              <a:t>Wer</a:t>
+            </a:r>
+            <a:r>
+              <a:rPr lang="en-US" sz="6600" spc="200" dirty="0">
+                <a:solidFill>
+                  <a:schemeClr val="tx1">
+                    <a:alpha val="80000"/>
+                  </a:schemeClr>
+                </a:solidFill>
+              </a:rPr>
+              <a:t> </a:t>
+            </a:r>
+            <a:r>
+              <a:rPr lang="en-US" sz="6600" spc="200" dirty="0" err="1">
+                <a:solidFill>
+                  <a:schemeClr val="tx1">
+                    <a:alpha val="80000"/>
+                  </a:schemeClr>
+                </a:solidFill>
+              </a:rPr>
+              <a:t>sind</a:t>
+            </a:r>
+            <a:r>
+              <a:rPr lang="en-US" sz="6600" spc="200" dirty="0">
+                <a:solidFill>
+                  <a:schemeClr val="tx1">
+                    <a:alpha val="80000"/>
+                  </a:schemeClr>
+                </a:solidFill>
+              </a:rPr>
+              <a:t> </a:t>
+            </a:r>
+            <a:r>
+              <a:rPr lang="en-US" sz="6600" spc="200" dirty="0" err="1">
+                <a:solidFill>
+                  <a:schemeClr val="tx1">
+                    <a:alpha val="80000"/>
+                  </a:schemeClr>
+                </a:solidFill>
+              </a:rPr>
+              <a:t>wir</a:t>
+            </a:r>
+            <a:r>
+              <a:rPr lang="en-US" sz="6600" spc="200" dirty="0">
+                <a:solidFill>
+                  <a:schemeClr val="tx1">
+                    <a:alpha val="80000"/>
+                  </a:schemeClr>
+                </a:solidFill>
+              </a:rPr>
+              <a:t>?</a:t>
+            </a:r>
+          </a:p>
+        </p:txBody>
+      </p:sp>
+      <p:cxnSp>
+        <p:nvCxnSpPr>
+          <p:cNvPr id="13" name="Straight Connector 12">
+            <a:extLst>
+              <a:ext uri="{FF2B5EF4-FFF2-40B4-BE49-F238E27FC236}">
+                <a16:creationId xmlns:a16="http://schemas.microsoft.com/office/drawing/2014/main" id="{47AE7893-212D-45CB-A5B0-AE377389AB3F}"/>
+              </a:ext>
+              <a:ext uri="{C183D7F6-B498-43B3-948B-1728B52AA6E4}">
+                <adec:decorative xmlns:adec="http://schemas.microsoft.com/office/drawing/2017/decorative" val="1"/>
+              </a:ext>
+            </a:extLst>
+          </p:cNvPr>
+          <p:cNvCxnSpPr>
+            <a:cxnSpLocks noGrp="1" noRot="1" noChangeAspect="1" noMove="1" noResize="1" noEditPoints="1" noAdjustHandles="1" noChangeArrowheads="1" noChangeShapeType="1"/>
+          </p:cNvCxnSpPr>
+          <p:nvPr>
+            <p:extLst>
+              <p:ext uri="{386F3935-93C4-4BCD-93E2-E3B085C9AB24}">
+                <p16:designElem xmlns:p16="http://schemas.microsoft.com/office/powerpoint/2015/main" val="1"/>
+              </p:ext>
+            </p:extLst>
+          </p:nvPr>
+        </p:nvCxnSpPr>
+        <p:spPr>
+          <a:xfrm>
+            <a:off x="8139605" y="1600200"/>
+            <a:ext cx="0" cy="3657600"/>
+          </a:xfrm>
+          <a:prstGeom prst="line">
+            <a:avLst/>
+          </a:prstGeom>
+          <a:ln w="19050">
+            <a:solidFill>
+              <a:schemeClr val="accent1">
+                <a:lumMod val="75000"/>
+              </a:schemeClr>
+            </a:solidFill>
+          </a:ln>
+        </p:spPr>
+        <p:style>
+          <a:lnRef idx="1">
+            <a:schemeClr val="accent1"/>
+          </a:lnRef>
+          <a:fillRef idx="0">
+            <a:schemeClr val="accent1"/>
+          </a:fillRef>
+          <a:effectRef idx="0">
+            <a:schemeClr val="accent1"/>
+          </a:effectRef>
+          <a:fontRef idx="minor">
+            <a:schemeClr val="tx1"/>
+          </a:fontRef>
+        </p:style>
+      </p:cxnSp>
+    </p:spTree>
+    <p:extLst>
+      <p:ext uri="{BB962C8B-B14F-4D97-AF65-F5344CB8AC3E}">
+        <p14:creationId xmlns:p14="http://schemas.microsoft.com/office/powerpoint/2010/main" val="2522807781"/>
+      </p:ext>
+    </p:extLst>
+  </p:cSld>
+  <p:clrMapOvr>
+    <a:masterClrMapping/>
+  </p:clrMapOvr>
+</p:sld>
+</file>
+
+<file path=ppt/slides/slide20.xml><?xml version="1.0" encoding="utf-8"?>
 <p:sld xmlns:a="http://schemas.openxmlformats.org/drawingml/2006/main" xmlns:r="http://schemas.openxmlformats.org/officeDocument/2006/relationships" xmlns:p="http://schemas.openxmlformats.org/presentationml/2006/main" show="0">
   <p:cSld>
     <p:bg>
@@ -6432,7 +6820,7 @@
 </p:sld>
 </file>
 
-<file path=ppt/slides/slide22.xml><?xml version="1.0" encoding="utf-8"?>
+<file path=ppt/slides/slide21.xml><?xml version="1.0" encoding="utf-8"?>
 <p:sld xmlns:a="http://schemas.openxmlformats.org/drawingml/2006/main" xmlns:r="http://schemas.openxmlformats.org/officeDocument/2006/relationships" xmlns:p="http://schemas.openxmlformats.org/presentationml/2006/main" show="0">
   <p:cSld>
     <p:bg>
@@ -7576,7 +7964,7 @@
         </p:nvSpPr>
         <p:spPr>
           <a:xfrm>
-            <a:off x="1022166" y="978089"/>
+            <a:off x="1892605" y="1707086"/>
             <a:ext cx="6953057" cy="1200329"/>
           </a:xfrm>
           <a:prstGeom prst="rect">
@@ -7670,6 +8058,41 @@
           <a:p>
             <a:pPr algn="ctr"/>
             <a:endParaRPr lang="de-DE"/>
+          </a:p>
+        </p:txBody>
+      </p:sp>
+      <p:sp>
+        <p:nvSpPr>
+          <p:cNvPr id="5" name="Textfeld 4">
+            <a:extLst>
+              <a:ext uri="{FF2B5EF4-FFF2-40B4-BE49-F238E27FC236}">
+                <a16:creationId xmlns:a16="http://schemas.microsoft.com/office/drawing/2014/main" id="{0ED19185-0241-4D80-894A-F848A8A1464E}"/>
+              </a:ext>
+            </a:extLst>
+          </p:cNvPr>
+          <p:cNvSpPr txBox="1"/>
+          <p:nvPr/>
+        </p:nvSpPr>
+        <p:spPr>
+          <a:xfrm>
+            <a:off x="2141466" y="1014689"/>
+            <a:ext cx="1290738" cy="707886"/>
+          </a:xfrm>
+          <a:prstGeom prst="rect">
+            <a:avLst/>
+          </a:prstGeom>
+          <a:noFill/>
+        </p:spPr>
+        <p:txBody>
+          <a:bodyPr wrap="none" rtlCol="0">
+            <a:spAutoFit/>
+          </a:bodyPr>
+          <a:lstStyle/>
+          <a:p>
+            <a:r>
+              <a:rPr lang="de-DE" sz="4000" dirty="0"/>
+              <a:t>Ziele:</a:t>
+            </a:r>
           </a:p>
         </p:txBody>
       </p:sp>
@@ -7770,7 +8193,7 @@
           <a:lstStyle/>
           <a:p>
             <a:pPr algn="ctr"/>
-            <a:endParaRPr lang="en-US"/>
+            <a:endParaRPr lang="en-US" sz="2400"/>
           </a:p>
         </p:txBody>
       </p:sp>
@@ -7835,16 +8258,16 @@
           <a:lstStyle/>
           <a:p>
             <a:pPr algn="ctr"/>
-            <a:endParaRPr lang="en-US"/>
-          </a:p>
-        </p:txBody>
-      </p:sp>
-      <p:sp>
-        <p:nvSpPr>
-          <p:cNvPr id="2" name="Textfeld 1">
+            <a:endParaRPr lang="en-US" sz="2400"/>
+          </a:p>
+        </p:txBody>
+      </p:sp>
+      <p:sp>
+        <p:nvSpPr>
+          <p:cNvPr id="3" name="Textfeld 2">
             <a:extLst>
               <a:ext uri="{FF2B5EF4-FFF2-40B4-BE49-F238E27FC236}">
-                <a16:creationId xmlns:a16="http://schemas.microsoft.com/office/drawing/2014/main" id="{D006F156-2CCE-4E77-BE8F-20899BF39273}"/>
+                <a16:creationId xmlns:a16="http://schemas.microsoft.com/office/drawing/2014/main" id="{0FCBFAAE-33F5-443E-9E97-2628741C452D}"/>
               </a:ext>
             </a:extLst>
           </p:cNvPr>
@@ -7853,8 +8276,8 @@
         </p:nvSpPr>
         <p:spPr>
           <a:xfrm>
-            <a:off x="3209249" y="2365641"/>
-            <a:ext cx="2188661" cy="369332"/>
+            <a:off x="1067783" y="979293"/>
+            <a:ext cx="3971665" cy="646331"/>
           </a:xfrm>
           <a:prstGeom prst="rect">
             <a:avLst/>
@@ -7862,18 +8285,239 @@
           <a:noFill/>
         </p:spPr>
         <p:txBody>
-          <a:bodyPr wrap="square" rtlCol="0">
+          <a:bodyPr wrap="none" rtlCol="0">
             <a:spAutoFit/>
           </a:bodyPr>
           <a:lstStyle/>
           <a:p>
             <a:r>
-              <a:rPr lang="de-DE" dirty="0"/>
-              <a:t>Kreativitätstechniken</a:t>
-            </a:r>
-          </a:p>
-        </p:txBody>
-      </p:sp>
+              <a:rPr lang="de-DE" sz="3600"/>
+              <a:t>Unsere Arbeitsweise:</a:t>
+            </a:r>
+            <a:endParaRPr lang="de-DE" sz="3600" dirty="0"/>
+          </a:p>
+        </p:txBody>
+      </p:sp>
+      <p:sp>
+        <p:nvSpPr>
+          <p:cNvPr id="4" name="Textfeld 3">
+            <a:extLst>
+              <a:ext uri="{FF2B5EF4-FFF2-40B4-BE49-F238E27FC236}">
+                <a16:creationId xmlns:a16="http://schemas.microsoft.com/office/drawing/2014/main" id="{4FF894DE-B68D-441D-8B30-4C16CF759254}"/>
+              </a:ext>
+            </a:extLst>
+          </p:cNvPr>
+          <p:cNvSpPr txBox="1"/>
+          <p:nvPr/>
+        </p:nvSpPr>
+        <p:spPr>
+          <a:xfrm>
+            <a:off x="1374550" y="2182761"/>
+            <a:ext cx="5063694" cy="1200329"/>
+          </a:xfrm>
+          <a:prstGeom prst="rect">
+            <a:avLst/>
+          </a:prstGeom>
+          <a:noFill/>
+        </p:spPr>
+        <p:txBody>
+          <a:bodyPr wrap="none" rtlCol="0">
+            <a:spAutoFit/>
+          </a:bodyPr>
+          <a:lstStyle/>
+          <a:p>
+            <a:pPr marL="285750" indent="-285750">
+              <a:buFontTx/>
+              <a:buChar char="-"/>
+            </a:pPr>
+            <a:r>
+              <a:rPr lang="de-DE" sz="2400"/>
+              <a:t>Asynchrones Arbeiten</a:t>
+            </a:r>
+          </a:p>
+          <a:p>
+            <a:pPr marL="742950" lvl="1" indent="-285750">
+              <a:buFontTx/>
+              <a:buChar char="-"/>
+            </a:pPr>
+            <a:r>
+              <a:rPr lang="de-DE" sz="2400"/>
+              <a:t>Zusätzlicher Input in den Meetings</a:t>
+            </a:r>
+          </a:p>
+          <a:p>
+            <a:pPr marL="742950" lvl="1" indent="-285750">
+              <a:buFontTx/>
+              <a:buChar char="-"/>
+            </a:pPr>
+            <a:endParaRPr lang="de-DE" sz="2400" dirty="0"/>
+          </a:p>
+        </p:txBody>
+      </p:sp>
+      <p:sp>
+        <p:nvSpPr>
+          <p:cNvPr id="5" name="Textfeld 4">
+            <a:extLst>
+              <a:ext uri="{FF2B5EF4-FFF2-40B4-BE49-F238E27FC236}">
+                <a16:creationId xmlns:a16="http://schemas.microsoft.com/office/drawing/2014/main" id="{521BA9F6-153D-4241-8451-4FE28C529C03}"/>
+              </a:ext>
+            </a:extLst>
+          </p:cNvPr>
+          <p:cNvSpPr txBox="1"/>
+          <p:nvPr/>
+        </p:nvSpPr>
+        <p:spPr>
+          <a:xfrm>
+            <a:off x="1374550" y="2931896"/>
+            <a:ext cx="5070812" cy="1938992"/>
+          </a:xfrm>
+          <a:prstGeom prst="rect">
+            <a:avLst/>
+          </a:prstGeom>
+          <a:noFill/>
+        </p:spPr>
+        <p:txBody>
+          <a:bodyPr wrap="none" rtlCol="0">
+            <a:spAutoFit/>
+          </a:bodyPr>
+          <a:lstStyle/>
+          <a:p>
+            <a:pPr marL="285750" indent="-285750">
+              <a:buFontTx/>
+              <a:buChar char="-"/>
+            </a:pPr>
+            <a:r>
+              <a:rPr lang="de-DE" sz="2400"/>
+              <a:t>Klare Umgangsregeln:</a:t>
+            </a:r>
+          </a:p>
+          <a:p>
+            <a:pPr marL="742950" lvl="1" indent="-285750">
+              <a:buFontTx/>
+              <a:buChar char="-"/>
+            </a:pPr>
+            <a:r>
+              <a:rPr lang="de-DE" sz="2400"/>
+              <a:t>Verzicht auf „Killerphrasen“</a:t>
+            </a:r>
+          </a:p>
+          <a:p>
+            <a:pPr marL="285750" indent="-285750">
+              <a:buFontTx/>
+              <a:buChar char="-"/>
+            </a:pPr>
+            <a:r>
+              <a:rPr lang="de-DE" sz="2400"/>
+              <a:t>Brainstorming mit Hilfe von Mindmaps</a:t>
+            </a:r>
+          </a:p>
+          <a:p>
+            <a:pPr marL="285750" indent="-285750">
+              <a:buFontTx/>
+              <a:buChar char="-"/>
+            </a:pPr>
+            <a:r>
+              <a:rPr lang="de-DE" sz="2400"/>
+              <a:t>Walt-Disney-Methode</a:t>
+            </a:r>
+          </a:p>
+          <a:p>
+            <a:pPr marL="285750" indent="-285750">
+              <a:buFontTx/>
+              <a:buChar char="-"/>
+            </a:pPr>
+            <a:endParaRPr lang="de-DE" sz="2400" dirty="0"/>
+          </a:p>
+        </p:txBody>
+      </p:sp>
+      <p:pic>
+        <p:nvPicPr>
+          <p:cNvPr id="8" name="Grafik 7">
+            <a:extLst>
+              <a:ext uri="{FF2B5EF4-FFF2-40B4-BE49-F238E27FC236}">
+                <a16:creationId xmlns:a16="http://schemas.microsoft.com/office/drawing/2014/main" id="{E3EA0B8B-6977-463F-9822-4C5D03CCB126}"/>
+              </a:ext>
+            </a:extLst>
+          </p:cNvPr>
+          <p:cNvPicPr>
+            <a:picLocks noChangeAspect="1"/>
+          </p:cNvPicPr>
+          <p:nvPr/>
+        </p:nvPicPr>
+        <p:blipFill>
+          <a:blip r:embed="rId2" cstate="print">
+            <a:extLst>
+              <a:ext uri="{28A0092B-C50C-407E-A947-70E740481C1C}">
+                <a14:useLocalDpi xmlns:a14="http://schemas.microsoft.com/office/drawing/2010/main" val="0"/>
+              </a:ext>
+            </a:extLst>
+          </a:blip>
+          <a:srcRect/>
+          <a:stretch>
+            <a:fillRect/>
+          </a:stretch>
+        </p:blipFill>
+        <p:spPr bwMode="auto">
+          <a:xfrm>
+            <a:off x="7558523" y="1656024"/>
+            <a:ext cx="3644346" cy="2209732"/>
+          </a:xfrm>
+          <a:prstGeom prst="rect">
+            <a:avLst/>
+          </a:prstGeom>
+          <a:noFill/>
+          <a:ln>
+            <a:noFill/>
+          </a:ln>
+        </p:spPr>
+      </p:pic>
+      <p:pic>
+        <p:nvPicPr>
+          <p:cNvPr id="1028" name="Picture 4" descr="Pin von Lenyatiedemann auf Dylan | Minnie maus silhouette, Mickey maus  kopf, Minnie maus geburtstag">
+            <a:extLst>
+              <a:ext uri="{FF2B5EF4-FFF2-40B4-BE49-F238E27FC236}">
+                <a16:creationId xmlns:a16="http://schemas.microsoft.com/office/drawing/2014/main" id="{6A6FFF81-A9AA-4A45-9575-C2D0874B49DB}"/>
+              </a:ext>
+            </a:extLst>
+          </p:cNvPr>
+          <p:cNvPicPr>
+            <a:picLocks noChangeAspect="1" noChangeArrowheads="1"/>
+          </p:cNvPicPr>
+          <p:nvPr/>
+        </p:nvPicPr>
+        <p:blipFill>
+          <a:blip r:embed="rId3">
+            <a:extLst>
+              <a:ext uri="{28A0092B-C50C-407E-A947-70E740481C1C}">
+                <a14:useLocalDpi xmlns:a14="http://schemas.microsoft.com/office/drawing/2010/main" val="0"/>
+              </a:ext>
+            </a:extLst>
+          </a:blip>
+          <a:srcRect/>
+          <a:stretch>
+            <a:fillRect/>
+          </a:stretch>
+        </p:blipFill>
+        <p:spPr bwMode="auto">
+          <a:xfrm>
+            <a:off x="1751306" y="4567054"/>
+            <a:ext cx="841782" cy="708929"/>
+          </a:xfrm>
+          <a:prstGeom prst="rect">
+            <a:avLst/>
+          </a:prstGeom>
+          <a:noFill/>
+          <a:extLst>
+            <a:ext uri="{909E8E84-426E-40DD-AFC4-6F175D3DCCD1}">
+              <a14:hiddenFill xmlns:a14="http://schemas.microsoft.com/office/drawing/2010/main">
+                <a:solidFill>
+                  <a:srgbClr val="FFFFFF"/>
+                </a:solidFill>
+              </a14:hiddenFill>
+            </a:ext>
+          </a:extLst>
+        </p:spPr>
+      </p:pic>
     </p:spTree>
     <p:extLst>
       <p:ext uri="{BB962C8B-B14F-4D97-AF65-F5344CB8AC3E}">
@@ -8148,14 +8792,6 @@
 <file path=ppt/slides/slide9.xml><?xml version="1.0" encoding="utf-8"?>
 <p:sld xmlns:a="http://schemas.openxmlformats.org/drawingml/2006/main" xmlns:r="http://schemas.openxmlformats.org/officeDocument/2006/relationships" xmlns:p="http://schemas.openxmlformats.org/presentationml/2006/main">
   <p:cSld>
-    <p:bg>
-      <p:bgPr>
-        <a:solidFill>
-          <a:srgbClr val="4960A6"/>
-        </a:solidFill>
-        <a:effectLst/>
-      </p:bgPr>
-    </p:bg>
     <p:spTree>
       <p:nvGrpSpPr>
         <p:cNvPr id="1" name=""/>
@@ -8170,175 +8806,12 @@
           <a:chExt cx="0" cy="0"/>
         </a:xfrm>
       </p:grpSpPr>
-      <p:sp>
-        <p:nvSpPr>
-          <p:cNvPr id="22" name="Rectangle 21">
-            <a:extLst>
-              <a:ext uri="{FF2B5EF4-FFF2-40B4-BE49-F238E27FC236}">
-                <a16:creationId xmlns:a16="http://schemas.microsoft.com/office/drawing/2014/main" id="{44B3F5F5-166C-4694-B20A-3F8218AF7D03}"/>
-              </a:ext>
-              <a:ext uri="{C183D7F6-B498-43B3-948B-1728B52AA6E4}">
-                <adec:decorative xmlns:adec="http://schemas.microsoft.com/office/drawing/2017/decorative" val="1"/>
-              </a:ext>
-            </a:extLst>
-          </p:cNvPr>
-          <p:cNvSpPr>
-            <a:spLocks noGrp="1" noRot="1" noChangeAspect="1" noMove="1" noResize="1" noEditPoints="1" noAdjustHandles="1" noChangeArrowheads="1" noChangeShapeType="1" noTextEdit="1"/>
-          </p:cNvSpPr>
-          <p:nvPr>
-            <p:extLst>
-              <p:ext uri="{386F3935-93C4-4BCD-93E2-E3B085C9AB24}">
-                <p16:designElem xmlns:p16="http://schemas.microsoft.com/office/powerpoint/2015/main" val="1"/>
-              </p:ext>
-            </p:extLst>
-          </p:nvPr>
-        </p:nvSpPr>
-        <p:spPr>
-          <a:xfrm>
-            <a:off x="0" y="0"/>
-            <a:ext cx="12192000" cy="6858000"/>
-          </a:xfrm>
-          <a:prstGeom prst="rect">
-            <a:avLst/>
-          </a:prstGeom>
-          <a:solidFill>
-            <a:schemeClr val="bg2"/>
-          </a:solidFill>
-          <a:ln>
-            <a:noFill/>
-          </a:ln>
-        </p:spPr>
-        <p:style>
-          <a:lnRef idx="2">
-            <a:schemeClr val="accent1">
-              <a:shade val="50000"/>
-            </a:schemeClr>
-          </a:lnRef>
-          <a:fillRef idx="1">
-            <a:schemeClr val="accent1"/>
-          </a:fillRef>
-          <a:effectRef idx="0">
-            <a:schemeClr val="accent1"/>
-          </a:effectRef>
-          <a:fontRef idx="minor">
-            <a:schemeClr val="lt1"/>
-          </a:fontRef>
-        </p:style>
-        <p:txBody>
-          <a:bodyPr rtlCol="0" anchor="ctr"/>
-          <a:lstStyle/>
-          <a:p>
-            <a:pPr algn="ctr"/>
-            <a:endParaRPr lang="en-US"/>
-          </a:p>
-        </p:txBody>
-      </p:sp>
-      <p:sp>
-        <p:nvSpPr>
-          <p:cNvPr id="24" name="Rectangle 23">
-            <a:extLst>
-              <a:ext uri="{FF2B5EF4-FFF2-40B4-BE49-F238E27FC236}">
-                <a16:creationId xmlns:a16="http://schemas.microsoft.com/office/drawing/2014/main" id="{9E67A204-FB90-4B26-B155-3FA8064AD2DF}"/>
-              </a:ext>
-              <a:ext uri="{C183D7F6-B498-43B3-948B-1728B52AA6E4}">
-                <adec:decorative xmlns:adec="http://schemas.microsoft.com/office/drawing/2017/decorative" val="1"/>
-              </a:ext>
-            </a:extLst>
-          </p:cNvPr>
-          <p:cNvSpPr>
-            <a:spLocks noGrp="1" noRot="1" noChangeAspect="1" noMove="1" noResize="1" noEditPoints="1" noAdjustHandles="1" noChangeArrowheads="1" noChangeShapeType="1" noTextEdit="1"/>
-          </p:cNvSpPr>
-          <p:nvPr>
-            <p:extLst>
-              <p:ext uri="{386F3935-93C4-4BCD-93E2-E3B085C9AB24}">
-                <p16:designElem xmlns:p16="http://schemas.microsoft.com/office/powerpoint/2015/main" val="1"/>
-              </p:ext>
-            </p:extLst>
-          </p:nvPr>
-        </p:nvSpPr>
-        <p:spPr>
-          <a:xfrm>
-            <a:off x="477012" y="480060"/>
-            <a:ext cx="11237976" cy="5897880"/>
-          </a:xfrm>
-          <a:prstGeom prst="rect">
-            <a:avLst/>
-          </a:prstGeom>
-          <a:solidFill>
-            <a:schemeClr val="bg1"/>
-          </a:solidFill>
-          <a:ln w="22225">
-            <a:solidFill>
-              <a:srgbClr val="C17F63"/>
-            </a:solidFill>
-          </a:ln>
-        </p:spPr>
-        <p:style>
-          <a:lnRef idx="2">
-            <a:schemeClr val="accent1">
-              <a:shade val="50000"/>
-            </a:schemeClr>
-          </a:lnRef>
-          <a:fillRef idx="1">
-            <a:schemeClr val="accent1"/>
-          </a:fillRef>
-          <a:effectRef idx="0">
-            <a:schemeClr val="accent1"/>
-          </a:effectRef>
-          <a:fontRef idx="minor">
-            <a:schemeClr val="lt1"/>
-          </a:fontRef>
-        </p:style>
-        <p:txBody>
-          <a:bodyPr rtlCol="0" anchor="ctr"/>
-          <a:lstStyle/>
-          <a:p>
-            <a:pPr algn="ctr"/>
-            <a:endParaRPr lang="en-US"/>
-          </a:p>
-        </p:txBody>
-      </p:sp>
-      <p:sp>
-        <p:nvSpPr>
-          <p:cNvPr id="2" name="Textfeld 1">
-            <a:extLst>
-              <a:ext uri="{FF2B5EF4-FFF2-40B4-BE49-F238E27FC236}">
-                <a16:creationId xmlns:a16="http://schemas.microsoft.com/office/drawing/2014/main" id="{D006F156-2CCE-4E77-BE8F-20899BF39273}"/>
-              </a:ext>
-            </a:extLst>
-          </p:cNvPr>
-          <p:cNvSpPr txBox="1"/>
-          <p:nvPr/>
-        </p:nvSpPr>
-        <p:spPr>
-          <a:xfrm>
-            <a:off x="3209249" y="2365641"/>
-            <a:ext cx="2188661" cy="369332"/>
-          </a:xfrm>
-          <a:prstGeom prst="rect">
-            <a:avLst/>
-          </a:prstGeom>
-          <a:noFill/>
-        </p:spPr>
-        <p:txBody>
-          <a:bodyPr wrap="square" rtlCol="0">
-            <a:spAutoFit/>
-          </a:bodyPr>
-          <a:lstStyle/>
-          <a:p>
-            <a:r>
-              <a:rPr lang="de-DE" dirty="0"/>
-              <a:t>Kreativitätstechniken</a:t>
-            </a:r>
-          </a:p>
-        </p:txBody>
-      </p:sp>
       <p:pic>
         <p:nvPicPr>
           <p:cNvPr id="5" name="Grafik 4">
             <a:extLst>
               <a:ext uri="{FF2B5EF4-FFF2-40B4-BE49-F238E27FC236}">
-                <a16:creationId xmlns:a16="http://schemas.microsoft.com/office/drawing/2014/main" id="{1B41E7E9-E254-4553-94F4-A5521B85CFA8}"/>
+                <a16:creationId xmlns:a16="http://schemas.microsoft.com/office/drawing/2014/main" id="{BCA064C7-6656-4AA6-839E-E61867CC7DE2}"/>
               </a:ext>
             </a:extLst>
           </p:cNvPr>
@@ -8361,8 +8834,51 @@
         </p:blipFill>
         <p:spPr>
           <a:xfrm>
-            <a:off x="2770802" y="529223"/>
-            <a:ext cx="6650396" cy="5799554"/>
+            <a:off x="1855570" y="153522"/>
+            <a:ext cx="8480860" cy="6550955"/>
+          </a:xfrm>
+          <a:prstGeom prst="rect">
+            <a:avLst/>
+          </a:prstGeom>
+        </p:spPr>
+      </p:pic>
+      <p:pic>
+        <p:nvPicPr>
+          <p:cNvPr id="3" name="Grafik 2">
+            <a:extLst>
+              <a:ext uri="{FF2B5EF4-FFF2-40B4-BE49-F238E27FC236}">
+                <a16:creationId xmlns:a16="http://schemas.microsoft.com/office/drawing/2014/main" id="{8FA769FA-2ECF-4005-A7F4-D9A1D0B5804F}"/>
+              </a:ext>
+            </a:extLst>
+          </p:cNvPr>
+          <p:cNvPicPr>
+            <a:picLocks noChangeAspect="1"/>
+          </p:cNvPicPr>
+          <p:nvPr/>
+        </p:nvPicPr>
+        <p:blipFill>
+          <a:blip r:embed="rId3">
+            <a:alphaModFix amt="95000"/>
+            <a:extLst>
+              <a:ext uri="{BEBA8EAE-BF5A-486C-A8C5-ECC9F3942E4B}">
+                <a14:imgProps xmlns:a14="http://schemas.microsoft.com/office/drawing/2010/main">
+                  <a14:imgLayer r:embed="rId4">
+                    <a14:imgEffect>
+                      <a14:sharpenSoften amount="25000"/>
+                    </a14:imgEffect>
+                  </a14:imgLayer>
+                </a14:imgProps>
+              </a:ext>
+            </a:extLst>
+          </a:blip>
+          <a:stretch>
+            <a:fillRect/>
+          </a:stretch>
+        </p:blipFill>
+        <p:spPr>
+          <a:xfrm>
+            <a:off x="0" y="6270"/>
+            <a:ext cx="12192000" cy="6845460"/>
           </a:xfrm>
           <a:prstGeom prst="rect">
             <a:avLst/>
@@ -8372,13 +8888,96 @@
     </p:spTree>
     <p:extLst>
       <p:ext uri="{BB962C8B-B14F-4D97-AF65-F5344CB8AC3E}">
-        <p14:creationId xmlns:p14="http://schemas.microsoft.com/office/powerpoint/2010/main" val="4253075058"/>
+        <p14:creationId xmlns:p14="http://schemas.microsoft.com/office/powerpoint/2010/main" val="1114942977"/>
       </p:ext>
     </p:extLst>
   </p:cSld>
   <p:clrMapOvr>
     <a:masterClrMapping/>
   </p:clrMapOvr>
+  <p:timing>
+    <p:tnLst>
+      <p:par>
+        <p:cTn id="1" dur="indefinite" restart="never" nodeType="tmRoot">
+          <p:childTnLst>
+            <p:seq concurrent="1" nextAc="seek">
+              <p:cTn id="2" dur="indefinite" nodeType="mainSeq">
+                <p:childTnLst>
+                  <p:par>
+                    <p:cTn id="3" fill="hold">
+                      <p:stCondLst>
+                        <p:cond delay="indefinite"/>
+                      </p:stCondLst>
+                      <p:childTnLst>
+                        <p:par>
+                          <p:cTn id="4" fill="hold">
+                            <p:stCondLst>
+                              <p:cond delay="0"/>
+                            </p:stCondLst>
+                            <p:childTnLst>
+                              <p:par>
+                                <p:cTn id="5" presetID="10" presetClass="exit" presetSubtype="0" fill="hold" nodeType="clickEffect">
+                                  <p:stCondLst>
+                                    <p:cond delay="0"/>
+                                  </p:stCondLst>
+                                  <p:childTnLst>
+                                    <p:animEffect transition="out" filter="fade">
+                                      <p:cBhvr>
+                                        <p:cTn id="6" dur="500"/>
+                                        <p:tgtEl>
+                                          <p:spTgt spid="3"/>
+                                        </p:tgtEl>
+                                      </p:cBhvr>
+                                    </p:animEffect>
+                                    <p:set>
+                                      <p:cBhvr>
+                                        <p:cTn id="7" dur="1" fill="hold">
+                                          <p:stCondLst>
+                                            <p:cond delay="499"/>
+                                          </p:stCondLst>
+                                        </p:cTn>
+                                        <p:tgtEl>
+                                          <p:spTgt spid="3"/>
+                                        </p:tgtEl>
+                                        <p:attrNameLst>
+                                          <p:attrName>style.visibility</p:attrName>
+                                        </p:attrNameLst>
+                                      </p:cBhvr>
+                                      <p:to>
+                                        <p:strVal val="hidden"/>
+                                      </p:to>
+                                    </p:set>
+                                  </p:childTnLst>
+                                </p:cTn>
+                              </p:par>
+                            </p:childTnLst>
+                          </p:cTn>
+                        </p:par>
+                      </p:childTnLst>
+                    </p:cTn>
+                  </p:par>
+                </p:childTnLst>
+              </p:cTn>
+              <p:prevCondLst>
+                <p:cond evt="onPrev" delay="0">
+                  <p:tgtEl>
+                    <p:sldTgt/>
+                  </p:tgtEl>
+                </p:cond>
+              </p:prevCondLst>
+              <p:nextCondLst>
+                <p:cond evt="onNext" delay="0">
+                  <p:tgtEl>
+                    <p:sldTgt/>
+                  </p:tgtEl>
+                </p:cond>
+              </p:nextCondLst>
+            </p:seq>
+          </p:childTnLst>
+        </p:cTn>
+      </p:par>
+    </p:tnLst>
+  </p:timing>
 </p:sld>
 </file>
 
